--- a/IMAGENES/ICONOS PLANEAMIENTO.pptx
+++ b/IMAGENES/ICONOS PLANEAMIENTO.pptx
@@ -264,7 +264,7 @@
           <a:p>
             <a:fld id="{E55CBF32-4DDC-4E96-8A53-192A9CFFB12A}" type="datetimeFigureOut">
               <a:rPr lang="es-CO" smtClean="0"/>
-              <a:t>23/12/2025</a:t>
+              <a:t>15/01/2026</a:t>
             </a:fld>
             <a:endParaRPr lang="es-CO"/>
           </a:p>
@@ -464,7 +464,7 @@
           <a:p>
             <a:fld id="{E55CBF32-4DDC-4E96-8A53-192A9CFFB12A}" type="datetimeFigureOut">
               <a:rPr lang="es-CO" smtClean="0"/>
-              <a:t>23/12/2025</a:t>
+              <a:t>15/01/2026</a:t>
             </a:fld>
             <a:endParaRPr lang="es-CO"/>
           </a:p>
@@ -674,7 +674,7 @@
           <a:p>
             <a:fld id="{E55CBF32-4DDC-4E96-8A53-192A9CFFB12A}" type="datetimeFigureOut">
               <a:rPr lang="es-CO" smtClean="0"/>
-              <a:t>23/12/2025</a:t>
+              <a:t>15/01/2026</a:t>
             </a:fld>
             <a:endParaRPr lang="es-CO"/>
           </a:p>
@@ -874,7 +874,7 @@
           <a:p>
             <a:fld id="{E55CBF32-4DDC-4E96-8A53-192A9CFFB12A}" type="datetimeFigureOut">
               <a:rPr lang="es-CO" smtClean="0"/>
-              <a:t>23/12/2025</a:t>
+              <a:t>15/01/2026</a:t>
             </a:fld>
             <a:endParaRPr lang="es-CO"/>
           </a:p>
@@ -1150,7 +1150,7 @@
           <a:p>
             <a:fld id="{E55CBF32-4DDC-4E96-8A53-192A9CFFB12A}" type="datetimeFigureOut">
               <a:rPr lang="es-CO" smtClean="0"/>
-              <a:t>23/12/2025</a:t>
+              <a:t>15/01/2026</a:t>
             </a:fld>
             <a:endParaRPr lang="es-CO"/>
           </a:p>
@@ -1418,7 +1418,7 @@
           <a:p>
             <a:fld id="{E55CBF32-4DDC-4E96-8A53-192A9CFFB12A}" type="datetimeFigureOut">
               <a:rPr lang="es-CO" smtClean="0"/>
-              <a:t>23/12/2025</a:t>
+              <a:t>15/01/2026</a:t>
             </a:fld>
             <a:endParaRPr lang="es-CO"/>
           </a:p>
@@ -1833,7 +1833,7 @@
           <a:p>
             <a:fld id="{E55CBF32-4DDC-4E96-8A53-192A9CFFB12A}" type="datetimeFigureOut">
               <a:rPr lang="es-CO" smtClean="0"/>
-              <a:t>23/12/2025</a:t>
+              <a:t>15/01/2026</a:t>
             </a:fld>
             <a:endParaRPr lang="es-CO"/>
           </a:p>
@@ -1975,7 +1975,7 @@
           <a:p>
             <a:fld id="{E55CBF32-4DDC-4E96-8A53-192A9CFFB12A}" type="datetimeFigureOut">
               <a:rPr lang="es-CO" smtClean="0"/>
-              <a:t>23/12/2025</a:t>
+              <a:t>15/01/2026</a:t>
             </a:fld>
             <a:endParaRPr lang="es-CO"/>
           </a:p>
@@ -2088,7 +2088,7 @@
           <a:p>
             <a:fld id="{E55CBF32-4DDC-4E96-8A53-192A9CFFB12A}" type="datetimeFigureOut">
               <a:rPr lang="es-CO" smtClean="0"/>
-              <a:t>23/12/2025</a:t>
+              <a:t>15/01/2026</a:t>
             </a:fld>
             <a:endParaRPr lang="es-CO"/>
           </a:p>
@@ -2401,7 +2401,7 @@
           <a:p>
             <a:fld id="{E55CBF32-4DDC-4E96-8A53-192A9CFFB12A}" type="datetimeFigureOut">
               <a:rPr lang="es-CO" smtClean="0"/>
-              <a:t>23/12/2025</a:t>
+              <a:t>15/01/2026</a:t>
             </a:fld>
             <a:endParaRPr lang="es-CO"/>
           </a:p>
@@ -2690,7 +2690,7 @@
           <a:p>
             <a:fld id="{E55CBF32-4DDC-4E96-8A53-192A9CFFB12A}" type="datetimeFigureOut">
               <a:rPr lang="es-CO" smtClean="0"/>
-              <a:t>23/12/2025</a:t>
+              <a:t>15/01/2026</a:t>
             </a:fld>
             <a:endParaRPr lang="es-CO"/>
           </a:p>
@@ -2933,7 +2933,7 @@
           <a:p>
             <a:fld id="{E55CBF32-4DDC-4E96-8A53-192A9CFFB12A}" type="datetimeFigureOut">
               <a:rPr lang="es-CO" smtClean="0"/>
-              <a:t>23/12/2025</a:t>
+              <a:t>15/01/2026</a:t>
             </a:fld>
             <a:endParaRPr lang="es-CO"/>
           </a:p>
@@ -7284,6 +7284,157 @@
                   <a:ea typeface="Verdana" panose="020B0604030504040204" pitchFamily="34" charset="0"/>
                 </a:rPr>
                 <a:t>Seguimiento Proceso Alternancia</a:t>
+              </a:r>
+            </a:p>
+          </p:txBody>
+        </p:sp>
+      </p:grpSp>
+      <p:grpSp>
+        <p:nvGrpSpPr>
+          <p:cNvPr id="34" name="Grupo 33">
+            <a:extLst>
+              <a:ext uri="{FF2B5EF4-FFF2-40B4-BE49-F238E27FC236}">
+                <a16:creationId xmlns:a16="http://schemas.microsoft.com/office/drawing/2014/main" id="{30A2B349-A499-34D4-6A82-89B47ACB48A6}"/>
+              </a:ext>
+            </a:extLst>
+          </p:cNvPr>
+          <p:cNvGrpSpPr/>
+          <p:nvPr/>
+        </p:nvGrpSpPr>
+        <p:grpSpPr>
+          <a:xfrm>
+            <a:off x="5164945" y="2856253"/>
+            <a:ext cx="2470167" cy="2289012"/>
+            <a:chOff x="5164945" y="2856253"/>
+            <a:chExt cx="2470167" cy="2289012"/>
+          </a:xfrm>
+        </p:grpSpPr>
+        <p:sp>
+          <p:nvSpPr>
+            <p:cNvPr id="18" name="Diagrama de flujo: conector 17">
+              <a:extLst>
+                <a:ext uri="{FF2B5EF4-FFF2-40B4-BE49-F238E27FC236}">
+                  <a16:creationId xmlns:a16="http://schemas.microsoft.com/office/drawing/2014/main" id="{2F79554F-B920-8768-E27C-AA914E2AB745}"/>
+                </a:ext>
+              </a:extLst>
+            </p:cNvPr>
+            <p:cNvSpPr/>
+            <p:nvPr/>
+          </p:nvSpPr>
+          <p:spPr>
+            <a:xfrm>
+              <a:off x="5164945" y="2856253"/>
+              <a:ext cx="2470167" cy="2289012"/>
+            </a:xfrm>
+            <a:prstGeom prst="flowChartConnector">
+              <a:avLst/>
+            </a:prstGeom>
+            <a:solidFill>
+              <a:srgbClr val="052543"/>
+            </a:solidFill>
+            <a:ln>
+              <a:noFill/>
+            </a:ln>
+          </p:spPr>
+          <p:style>
+            <a:lnRef idx="2">
+              <a:schemeClr val="accent1">
+                <a:shade val="15000"/>
+              </a:schemeClr>
+            </a:lnRef>
+            <a:fillRef idx="1">
+              <a:schemeClr val="accent1"/>
+            </a:fillRef>
+            <a:effectRef idx="0">
+              <a:schemeClr val="accent1"/>
+            </a:effectRef>
+            <a:fontRef idx="minor">
+              <a:schemeClr val="lt1"/>
+            </a:fontRef>
+          </p:style>
+          <p:txBody>
+            <a:bodyPr rtlCol="0" anchor="ctr"/>
+            <a:lstStyle/>
+            <a:p>
+              <a:pPr algn="ctr"/>
+              <a:endParaRPr lang="es-CO" dirty="0"/>
+            </a:p>
+          </p:txBody>
+        </p:sp>
+        <p:pic>
+          <p:nvPicPr>
+            <p:cNvPr id="32" name="Gráfico 31" descr="Persona con idea con relleno sólido">
+              <a:extLst>
+                <a:ext uri="{FF2B5EF4-FFF2-40B4-BE49-F238E27FC236}">
+                  <a16:creationId xmlns:a16="http://schemas.microsoft.com/office/drawing/2014/main" id="{1243BD30-DE1F-2944-5338-217EB7DA3137}"/>
+                </a:ext>
+              </a:extLst>
+            </p:cNvPr>
+            <p:cNvPicPr>
+              <a:picLocks noChangeAspect="1"/>
+            </p:cNvPicPr>
+            <p:nvPr/>
+          </p:nvPicPr>
+          <p:blipFill>
+            <a:blip r:embed="rId14">
+              <a:extLst>
+                <a:ext uri="{96DAC541-7B7A-43D3-8B79-37D633B846F1}">
+                  <asvg:svgBlip xmlns:asvg="http://schemas.microsoft.com/office/drawing/2016/SVG/main" r:embed="rId15"/>
+                </a:ext>
+              </a:extLst>
+            </a:blip>
+            <a:stretch>
+              <a:fillRect/>
+            </a:stretch>
+          </p:blipFill>
+          <p:spPr>
+            <a:xfrm>
+              <a:off x="5726634" y="2959182"/>
+              <a:ext cx="1346787" cy="1346787"/>
+            </a:xfrm>
+            <a:prstGeom prst="rect">
+              <a:avLst/>
+            </a:prstGeom>
+          </p:spPr>
+        </p:pic>
+        <p:sp>
+          <p:nvSpPr>
+            <p:cNvPr id="33" name="CuadroTexto 32">
+              <a:extLst>
+                <a:ext uri="{FF2B5EF4-FFF2-40B4-BE49-F238E27FC236}">
+                  <a16:creationId xmlns:a16="http://schemas.microsoft.com/office/drawing/2014/main" id="{D67408F3-03B3-A81E-B5CE-9F2B47C02A08}"/>
+                </a:ext>
+              </a:extLst>
+            </p:cNvPr>
+            <p:cNvSpPr txBox="1"/>
+            <p:nvPr/>
+          </p:nvSpPr>
+          <p:spPr>
+            <a:xfrm>
+              <a:off x="5417018" y="4185190"/>
+              <a:ext cx="1966017" cy="646331"/>
+            </a:xfrm>
+            <a:prstGeom prst="rect">
+              <a:avLst/>
+            </a:prstGeom>
+            <a:noFill/>
+          </p:spPr>
+          <p:txBody>
+            <a:bodyPr wrap="square" rtlCol="0">
+              <a:spAutoFit/>
+            </a:bodyPr>
+            <a:lstStyle/>
+            <a:p>
+              <a:pPr algn="ctr"/>
+              <a:r>
+                <a:rPr lang="es-CO" b="1" dirty="0">
+                  <a:solidFill>
+                    <a:schemeClr val="bg1"/>
+                  </a:solidFill>
+                  <a:latin typeface="Verdana" panose="020B0604030504040204" pitchFamily="34" charset="0"/>
+                  <a:ea typeface="Verdana" panose="020B0604030504040204" pitchFamily="34" charset="0"/>
+                </a:rPr>
+                <a:t>Quiero Ser, Quiero Saber</a:t>
               </a:r>
             </a:p>
           </p:txBody>

--- a/IMAGENES/ICONOS PLANEAMIENTO.pptx
+++ b/IMAGENES/ICONOS PLANEAMIENTO.pptx
@@ -4056,127 +4056,12 @@
           </p:txBody>
         </p:sp>
       </p:grpSp>
-      <p:grpSp>
-        <p:nvGrpSpPr>
-          <p:cNvPr id="14" name="Grupo 13">
-            <a:extLst>
-              <a:ext uri="{FF2B5EF4-FFF2-40B4-BE49-F238E27FC236}">
-                <a16:creationId xmlns:a16="http://schemas.microsoft.com/office/drawing/2014/main" id="{D9DE1C96-ACFD-0297-EDE5-D636F7CFB405}"/>
-              </a:ext>
-            </a:extLst>
-          </p:cNvPr>
-          <p:cNvGrpSpPr/>
-          <p:nvPr/>
-        </p:nvGrpSpPr>
-        <p:grpSpPr>
-          <a:xfrm>
-            <a:off x="0" y="48816"/>
-            <a:ext cx="2098068" cy="1818964"/>
-            <a:chOff x="3828736" y="2475599"/>
-            <a:chExt cx="2098068" cy="1818964"/>
-          </a:xfrm>
-        </p:grpSpPr>
-        <p:sp>
-          <p:nvSpPr>
-            <p:cNvPr id="15" name="Rectángulo: esquinas redondeadas 14">
-              <a:extLst>
-                <a:ext uri="{FF2B5EF4-FFF2-40B4-BE49-F238E27FC236}">
-                  <a16:creationId xmlns:a16="http://schemas.microsoft.com/office/drawing/2014/main" id="{C05D9E1D-7271-BF29-4A17-F4FFBA023185}"/>
-                </a:ext>
-              </a:extLst>
-            </p:cNvPr>
-            <p:cNvSpPr/>
-            <p:nvPr/>
-          </p:nvSpPr>
-          <p:spPr>
-            <a:xfrm>
-              <a:off x="3828736" y="3614504"/>
-              <a:ext cx="2098068" cy="680059"/>
-            </a:xfrm>
-            <a:prstGeom prst="roundRect">
-              <a:avLst/>
-            </a:prstGeom>
-            <a:solidFill>
-              <a:srgbClr val="094062"/>
-            </a:solidFill>
-            <a:ln>
-              <a:noFill/>
-            </a:ln>
-          </p:spPr>
-          <p:style>
-            <a:lnRef idx="2">
-              <a:schemeClr val="accent1">
-                <a:shade val="15000"/>
-              </a:schemeClr>
-            </a:lnRef>
-            <a:fillRef idx="1">
-              <a:schemeClr val="accent1"/>
-            </a:fillRef>
-            <a:effectRef idx="0">
-              <a:schemeClr val="accent1"/>
-            </a:effectRef>
-            <a:fontRef idx="minor">
-              <a:schemeClr val="lt1"/>
-            </a:fontRef>
-          </p:style>
-          <p:txBody>
-            <a:bodyPr rtlCol="0" anchor="ctr"/>
-            <a:lstStyle/>
-            <a:p>
-              <a:pPr algn="ctr"/>
-              <a:r>
-                <a:rPr lang="es-CO" b="1" dirty="0">
-                  <a:latin typeface="Verdana" panose="020B0604030504040204" pitchFamily="34" charset="0"/>
-                  <a:ea typeface="Verdana" panose="020B0604030504040204" pitchFamily="34" charset="0"/>
-                </a:rPr>
-                <a:t>Nómina</a:t>
-              </a:r>
-            </a:p>
-          </p:txBody>
-        </p:sp>
-        <p:pic>
-          <p:nvPicPr>
-            <p:cNvPr id="19" name="Gráfico 18" descr="Préstamo con relleno sólido">
-              <a:extLst>
-                <a:ext uri="{FF2B5EF4-FFF2-40B4-BE49-F238E27FC236}">
-                  <a16:creationId xmlns:a16="http://schemas.microsoft.com/office/drawing/2014/main" id="{8C7A81AB-94EE-FBD3-AF66-87EB7187975E}"/>
-                </a:ext>
-              </a:extLst>
-            </p:cNvPr>
-            <p:cNvPicPr>
-              <a:picLocks noChangeAspect="1"/>
-            </p:cNvPicPr>
-            <p:nvPr/>
-          </p:nvPicPr>
-          <p:blipFill>
-            <a:blip r:embed="rId12">
-              <a:extLst>
-                <a:ext uri="{96DAC541-7B7A-43D3-8B79-37D633B846F1}">
-                  <asvg:svgBlip xmlns:asvg="http://schemas.microsoft.com/office/drawing/2016/SVG/main" r:embed="rId13"/>
-                </a:ext>
-              </a:extLst>
-            </a:blip>
-            <a:stretch>
-              <a:fillRect/>
-            </a:stretch>
-          </p:blipFill>
-          <p:spPr>
-            <a:xfrm>
-              <a:off x="4244713" y="2475599"/>
-              <a:ext cx="1266114" cy="1266114"/>
-            </a:xfrm>
-            <a:prstGeom prst="rect">
-              <a:avLst/>
-            </a:prstGeom>
-          </p:spPr>
-        </p:pic>
-      </p:grpSp>
       <p:sp>
         <p:nvSpPr>
-          <p:cNvPr id="153" name="Diagrama de flujo: conector 152">
-            <a:extLst>
-              <a:ext uri="{FF2B5EF4-FFF2-40B4-BE49-F238E27FC236}">
-                <a16:creationId xmlns:a16="http://schemas.microsoft.com/office/drawing/2014/main" id="{B703767F-CA43-6925-19FD-0BD45AA9E2BE}"/>
+          <p:cNvPr id="15" name="Rectángulo: esquinas redondeadas 14">
+            <a:extLst>
+              <a:ext uri="{FF2B5EF4-FFF2-40B4-BE49-F238E27FC236}">
+                <a16:creationId xmlns:a16="http://schemas.microsoft.com/office/drawing/2014/main" id="{C05D9E1D-7271-BF29-4A17-F4FFBA023185}"/>
               </a:ext>
             </a:extLst>
           </p:cNvPr>
@@ -4185,7 +4070,101 @@
         </p:nvSpPr>
         <p:spPr>
           <a:xfrm>
-            <a:off x="9234641" y="2326644"/>
+            <a:off x="0" y="1187721"/>
+            <a:ext cx="2098068" cy="680059"/>
+          </a:xfrm>
+          <a:prstGeom prst="roundRect">
+            <a:avLst/>
+          </a:prstGeom>
+          <a:solidFill>
+            <a:srgbClr val="094062"/>
+          </a:solidFill>
+          <a:ln>
+            <a:noFill/>
+          </a:ln>
+        </p:spPr>
+        <p:style>
+          <a:lnRef idx="2">
+            <a:schemeClr val="accent1">
+              <a:shade val="15000"/>
+            </a:schemeClr>
+          </a:lnRef>
+          <a:fillRef idx="1">
+            <a:schemeClr val="accent1"/>
+          </a:fillRef>
+          <a:effectRef idx="0">
+            <a:schemeClr val="accent1"/>
+          </a:effectRef>
+          <a:fontRef idx="minor">
+            <a:schemeClr val="lt1"/>
+          </a:fontRef>
+        </p:style>
+        <p:txBody>
+          <a:bodyPr rtlCol="0" anchor="ctr"/>
+          <a:lstStyle/>
+          <a:p>
+            <a:pPr algn="ctr"/>
+            <a:r>
+              <a:rPr lang="es-CO" b="1" dirty="0">
+                <a:latin typeface="Verdana" panose="020B0604030504040204" pitchFamily="34" charset="0"/>
+                <a:ea typeface="Verdana" panose="020B0604030504040204" pitchFamily="34" charset="0"/>
+              </a:rPr>
+              <a:t>Nómina</a:t>
+            </a:r>
+          </a:p>
+        </p:txBody>
+      </p:sp>
+      <p:pic>
+        <p:nvPicPr>
+          <p:cNvPr id="19" name="Gráfico 18" descr="Préstamo con relleno sólido">
+            <a:extLst>
+              <a:ext uri="{FF2B5EF4-FFF2-40B4-BE49-F238E27FC236}">
+                <a16:creationId xmlns:a16="http://schemas.microsoft.com/office/drawing/2014/main" id="{8C7A81AB-94EE-FBD3-AF66-87EB7187975E}"/>
+              </a:ext>
+            </a:extLst>
+          </p:cNvPr>
+          <p:cNvPicPr>
+            <a:picLocks noChangeAspect="1"/>
+          </p:cNvPicPr>
+          <p:nvPr/>
+        </p:nvPicPr>
+        <p:blipFill>
+          <a:blip r:embed="rId12">
+            <a:extLst>
+              <a:ext uri="{96DAC541-7B7A-43D3-8B79-37D633B846F1}">
+                <asvg:svgBlip xmlns:asvg="http://schemas.microsoft.com/office/drawing/2016/SVG/main" r:embed="rId13"/>
+              </a:ext>
+            </a:extLst>
+          </a:blip>
+          <a:stretch>
+            <a:fillRect/>
+          </a:stretch>
+        </p:blipFill>
+        <p:spPr>
+          <a:xfrm>
+            <a:off x="415977" y="48816"/>
+            <a:ext cx="1266114" cy="1266114"/>
+          </a:xfrm>
+          <a:prstGeom prst="rect">
+            <a:avLst/>
+          </a:prstGeom>
+        </p:spPr>
+      </p:pic>
+      <p:sp>
+        <p:nvSpPr>
+          <p:cNvPr id="153" name="Diagrama de flujo: conector 152">
+            <a:extLst>
+              <a:ext uri="{FF2B5EF4-FFF2-40B4-BE49-F238E27FC236}">
+                <a16:creationId xmlns:a16="http://schemas.microsoft.com/office/drawing/2014/main" id="{B703767F-CA43-6925-19FD-0BD45AA9E2BE}"/>
+              </a:ext>
+            </a:extLst>
+          </p:cNvPr>
+          <p:cNvSpPr/>
+          <p:nvPr/>
+        </p:nvSpPr>
+        <p:spPr>
+          <a:xfrm>
+            <a:off x="8786740" y="2533060"/>
             <a:ext cx="2470167" cy="2289012"/>
           </a:xfrm>
           <a:prstGeom prst="flowChartConnector">
@@ -6246,7 +6225,7 @@
         </p:nvGrpSpPr>
         <p:grpSpPr>
           <a:xfrm>
-            <a:off x="0" y="250402"/>
+            <a:off x="0" y="0"/>
             <a:ext cx="2470167" cy="2289012"/>
             <a:chOff x="263378" y="250402"/>
             <a:chExt cx="2470167" cy="2289012"/>
@@ -6397,7 +6376,7 @@
         </p:nvGrpSpPr>
         <p:grpSpPr>
           <a:xfrm>
-            <a:off x="2489180" y="189090"/>
+            <a:off x="2489032" y="-15519"/>
             <a:ext cx="2470168" cy="2289012"/>
             <a:chOff x="2771572" y="250402"/>
             <a:chExt cx="2470168" cy="2289012"/>
@@ -6548,7 +6527,7 @@
         </p:nvGrpSpPr>
         <p:grpSpPr>
           <a:xfrm>
-            <a:off x="5058509" y="250402"/>
+            <a:off x="5052259" y="-128883"/>
             <a:ext cx="2470167" cy="2289012"/>
             <a:chOff x="5241738" y="472098"/>
             <a:chExt cx="2470167" cy="2289012"/>
@@ -6699,7 +6678,7 @@
         </p:nvGrpSpPr>
         <p:grpSpPr>
           <a:xfrm>
-            <a:off x="7566702" y="250402"/>
+            <a:off x="7522426" y="0"/>
             <a:ext cx="2470167" cy="2289012"/>
             <a:chOff x="7583443" y="250402"/>
             <a:chExt cx="2470167" cy="2289012"/>
@@ -6850,7 +6829,7 @@
         </p:nvGrpSpPr>
         <p:grpSpPr>
           <a:xfrm>
-            <a:off x="10043239" y="250402"/>
+            <a:off x="9992592" y="0"/>
             <a:ext cx="2470167" cy="2289012"/>
             <a:chOff x="862984" y="2858691"/>
             <a:chExt cx="2470167" cy="2289012"/>
@@ -7001,7 +6980,7 @@
         </p:nvGrpSpPr>
         <p:grpSpPr>
           <a:xfrm>
-            <a:off x="-7114" y="2601708"/>
+            <a:off x="-7114" y="2421530"/>
             <a:ext cx="2470513" cy="2289012"/>
             <a:chOff x="2732641" y="2952384"/>
             <a:chExt cx="2470513" cy="2289012"/>
@@ -7152,7 +7131,7 @@
         </p:nvGrpSpPr>
         <p:grpSpPr>
           <a:xfrm>
-            <a:off x="2449283" y="2737657"/>
+            <a:off x="2449282" y="2510708"/>
             <a:ext cx="2470167" cy="2289012"/>
             <a:chOff x="2449283" y="2737657"/>
             <a:chExt cx="2470167" cy="2289012"/>
@@ -7303,7 +7282,7 @@
         </p:nvGrpSpPr>
         <p:grpSpPr>
           <a:xfrm>
-            <a:off x="5164945" y="2856253"/>
+            <a:off x="4959199" y="2524637"/>
             <a:ext cx="2470167" cy="2289012"/>
             <a:chOff x="5164945" y="2856253"/>
             <a:chExt cx="2470167" cy="2289012"/>
@@ -7436,6 +7415,1107 @@
                 </a:rPr>
                 <a:t>Quiero Ser, Quiero Saber</a:t>
               </a:r>
+            </a:p>
+          </p:txBody>
+        </p:sp>
+      </p:grpSp>
+      <p:grpSp>
+        <p:nvGrpSpPr>
+          <p:cNvPr id="39" name="Grupo 38">
+            <a:extLst>
+              <a:ext uri="{FF2B5EF4-FFF2-40B4-BE49-F238E27FC236}">
+                <a16:creationId xmlns:a16="http://schemas.microsoft.com/office/drawing/2014/main" id="{013A0F60-4510-8FE0-BAEB-A7FEB8CEC131}"/>
+              </a:ext>
+            </a:extLst>
+          </p:cNvPr>
+          <p:cNvGrpSpPr/>
+          <p:nvPr/>
+        </p:nvGrpSpPr>
+        <p:grpSpPr>
+          <a:xfrm>
+            <a:off x="7429362" y="2510708"/>
+            <a:ext cx="2470167" cy="2289012"/>
+            <a:chOff x="7619008" y="2823404"/>
+            <a:chExt cx="2470167" cy="2289012"/>
+          </a:xfrm>
+        </p:grpSpPr>
+        <p:sp>
+          <p:nvSpPr>
+            <p:cNvPr id="31" name="Diagrama de flujo: conector 30">
+              <a:extLst>
+                <a:ext uri="{FF2B5EF4-FFF2-40B4-BE49-F238E27FC236}">
+                  <a16:creationId xmlns:a16="http://schemas.microsoft.com/office/drawing/2014/main" id="{AD35192D-74E8-27F0-67C0-207A3E31C26C}"/>
+                </a:ext>
+              </a:extLst>
+            </p:cNvPr>
+            <p:cNvSpPr/>
+            <p:nvPr/>
+          </p:nvSpPr>
+          <p:spPr>
+            <a:xfrm>
+              <a:off x="7619008" y="2823404"/>
+              <a:ext cx="2470167" cy="2289012"/>
+            </a:xfrm>
+            <a:prstGeom prst="flowChartConnector">
+              <a:avLst/>
+            </a:prstGeom>
+            <a:solidFill>
+              <a:srgbClr val="052543"/>
+            </a:solidFill>
+            <a:ln>
+              <a:noFill/>
+            </a:ln>
+          </p:spPr>
+          <p:style>
+            <a:lnRef idx="2">
+              <a:schemeClr val="accent1">
+                <a:shade val="15000"/>
+              </a:schemeClr>
+            </a:lnRef>
+            <a:fillRef idx="1">
+              <a:schemeClr val="accent1"/>
+            </a:fillRef>
+            <a:effectRef idx="0">
+              <a:schemeClr val="accent1"/>
+            </a:effectRef>
+            <a:fontRef idx="minor">
+              <a:schemeClr val="lt1"/>
+            </a:fontRef>
+          </p:style>
+          <p:txBody>
+            <a:bodyPr rtlCol="0" anchor="ctr"/>
+            <a:lstStyle/>
+            <a:p>
+              <a:pPr algn="ctr"/>
+              <a:endParaRPr lang="es-CO" dirty="0"/>
+            </a:p>
+          </p:txBody>
+        </p:sp>
+        <p:pic>
+          <p:nvPicPr>
+            <p:cNvPr id="37" name="Gráfico 36" descr="Préstamo con relleno sólido">
+              <a:extLst>
+                <a:ext uri="{FF2B5EF4-FFF2-40B4-BE49-F238E27FC236}">
+                  <a16:creationId xmlns:a16="http://schemas.microsoft.com/office/drawing/2014/main" id="{0D20E599-87DE-F28D-F08A-B978C3DCBE87}"/>
+                </a:ext>
+              </a:extLst>
+            </p:cNvPr>
+            <p:cNvPicPr>
+              <a:picLocks noChangeAspect="1"/>
+            </p:cNvPicPr>
+            <p:nvPr/>
+          </p:nvPicPr>
+          <p:blipFill>
+            <a:blip r:embed="rId16">
+              <a:extLst>
+                <a:ext uri="{96DAC541-7B7A-43D3-8B79-37D633B846F1}">
+                  <asvg:svgBlip xmlns:asvg="http://schemas.microsoft.com/office/drawing/2016/SVG/main" r:embed="rId17"/>
+                </a:ext>
+              </a:extLst>
+            </a:blip>
+            <a:stretch>
+              <a:fillRect/>
+            </a:stretch>
+          </p:blipFill>
+          <p:spPr>
+            <a:xfrm>
+              <a:off x="8221034" y="2919076"/>
+              <a:ext cx="1266114" cy="1266114"/>
+            </a:xfrm>
+            <a:prstGeom prst="rect">
+              <a:avLst/>
+            </a:prstGeom>
+          </p:spPr>
+        </p:pic>
+        <p:sp>
+          <p:nvSpPr>
+            <p:cNvPr id="38" name="CuadroTexto 37">
+              <a:extLst>
+                <a:ext uri="{FF2B5EF4-FFF2-40B4-BE49-F238E27FC236}">
+                  <a16:creationId xmlns:a16="http://schemas.microsoft.com/office/drawing/2014/main" id="{907FB1D6-CF98-433B-4286-8AAB5053F71D}"/>
+                </a:ext>
+              </a:extLst>
+            </p:cNvPr>
+            <p:cNvSpPr txBox="1"/>
+            <p:nvPr/>
+          </p:nvSpPr>
+          <p:spPr>
+            <a:xfrm>
+              <a:off x="8077948" y="4305969"/>
+              <a:ext cx="1449536" cy="369332"/>
+            </a:xfrm>
+            <a:prstGeom prst="rect">
+              <a:avLst/>
+            </a:prstGeom>
+            <a:noFill/>
+          </p:spPr>
+          <p:txBody>
+            <a:bodyPr wrap="square" rtlCol="0">
+              <a:spAutoFit/>
+            </a:bodyPr>
+            <a:lstStyle/>
+            <a:p>
+              <a:pPr algn="ctr"/>
+              <a:r>
+                <a:rPr lang="es-MX" b="1" dirty="0">
+                  <a:solidFill>
+                    <a:schemeClr val="bg1"/>
+                  </a:solidFill>
+                  <a:latin typeface="Verdana" panose="020B0604030504040204" pitchFamily="34" charset="0"/>
+                  <a:ea typeface="Verdana" panose="020B0604030504040204" pitchFamily="34" charset="0"/>
+                </a:rPr>
+                <a:t>Nómina</a:t>
+              </a:r>
+              <a:endParaRPr lang="es-CO" b="1" dirty="0">
+                <a:solidFill>
+                  <a:schemeClr val="bg1"/>
+                </a:solidFill>
+                <a:latin typeface="Verdana" panose="020B0604030504040204" pitchFamily="34" charset="0"/>
+                <a:ea typeface="Verdana" panose="020B0604030504040204" pitchFamily="34" charset="0"/>
+              </a:endParaRPr>
+            </a:p>
+          </p:txBody>
+        </p:sp>
+      </p:grpSp>
+      <p:grpSp>
+        <p:nvGrpSpPr>
+          <p:cNvPr id="45" name="Grupo 44">
+            <a:extLst>
+              <a:ext uri="{FF2B5EF4-FFF2-40B4-BE49-F238E27FC236}">
+                <a16:creationId xmlns:a16="http://schemas.microsoft.com/office/drawing/2014/main" id="{EA571BDF-B3C5-D607-47AA-7CB33920E5EC}"/>
+              </a:ext>
+            </a:extLst>
+          </p:cNvPr>
+          <p:cNvGrpSpPr/>
+          <p:nvPr/>
+        </p:nvGrpSpPr>
+        <p:grpSpPr>
+          <a:xfrm>
+            <a:off x="9907492" y="2347794"/>
+            <a:ext cx="2470167" cy="2563308"/>
+            <a:chOff x="9958139" y="2526921"/>
+            <a:chExt cx="2470167" cy="2563308"/>
+          </a:xfrm>
+        </p:grpSpPr>
+        <p:sp>
+          <p:nvSpPr>
+            <p:cNvPr id="40" name="Diagrama de flujo: conector 39">
+              <a:extLst>
+                <a:ext uri="{FF2B5EF4-FFF2-40B4-BE49-F238E27FC236}">
+                  <a16:creationId xmlns:a16="http://schemas.microsoft.com/office/drawing/2014/main" id="{5197AE65-C3EB-E1AD-22D0-C8697E5830E2}"/>
+                </a:ext>
+              </a:extLst>
+            </p:cNvPr>
+            <p:cNvSpPr/>
+            <p:nvPr/>
+          </p:nvSpPr>
+          <p:spPr>
+            <a:xfrm>
+              <a:off x="9958139" y="2647647"/>
+              <a:ext cx="2470167" cy="2289012"/>
+            </a:xfrm>
+            <a:prstGeom prst="flowChartConnector">
+              <a:avLst/>
+            </a:prstGeom>
+            <a:solidFill>
+              <a:srgbClr val="052543"/>
+            </a:solidFill>
+            <a:ln>
+              <a:noFill/>
+            </a:ln>
+          </p:spPr>
+          <p:style>
+            <a:lnRef idx="2">
+              <a:schemeClr val="accent1">
+                <a:shade val="15000"/>
+              </a:schemeClr>
+            </a:lnRef>
+            <a:fillRef idx="1">
+              <a:schemeClr val="accent1"/>
+            </a:fillRef>
+            <a:effectRef idx="0">
+              <a:schemeClr val="accent1"/>
+            </a:effectRef>
+            <a:fontRef idx="minor">
+              <a:schemeClr val="lt1"/>
+            </a:fontRef>
+          </p:style>
+          <p:txBody>
+            <a:bodyPr rtlCol="0" anchor="ctr"/>
+            <a:lstStyle/>
+            <a:p>
+              <a:pPr algn="ctr"/>
+              <a:endParaRPr lang="es-CO" dirty="0"/>
+            </a:p>
+          </p:txBody>
+        </p:sp>
+        <p:pic>
+          <p:nvPicPr>
+            <p:cNvPr id="41" name="Gráfico 40" descr="Mapa con marcador con relleno sólido">
+              <a:extLst>
+                <a:ext uri="{FF2B5EF4-FFF2-40B4-BE49-F238E27FC236}">
+                  <a16:creationId xmlns:a16="http://schemas.microsoft.com/office/drawing/2014/main" id="{71C1EB67-52CD-E9B6-7DE1-2F468725698E}"/>
+                </a:ext>
+              </a:extLst>
+            </p:cNvPr>
+            <p:cNvPicPr>
+              <a:picLocks noChangeAspect="1"/>
+            </p:cNvPicPr>
+            <p:nvPr/>
+          </p:nvPicPr>
+          <p:blipFill>
+            <a:blip r:embed="rId18">
+              <a:extLst>
+                <a:ext uri="{96DAC541-7B7A-43D3-8B79-37D633B846F1}">
+                  <asvg:svgBlip xmlns:asvg="http://schemas.microsoft.com/office/drawing/2016/SVG/main" r:embed="rId19"/>
+                </a:ext>
+              </a:extLst>
+            </a:blip>
+            <a:stretch>
+              <a:fillRect/>
+            </a:stretch>
+          </p:blipFill>
+          <p:spPr>
+            <a:xfrm>
+              <a:off x="10448040" y="2526921"/>
+              <a:ext cx="1501887" cy="1501887"/>
+            </a:xfrm>
+            <a:prstGeom prst="rect">
+              <a:avLst/>
+            </a:prstGeom>
+          </p:spPr>
+        </p:pic>
+        <p:sp>
+          <p:nvSpPr>
+            <p:cNvPr id="43" name="CuadroTexto 42">
+              <a:extLst>
+                <a:ext uri="{FF2B5EF4-FFF2-40B4-BE49-F238E27FC236}">
+                  <a16:creationId xmlns:a16="http://schemas.microsoft.com/office/drawing/2014/main" id="{CF40DC8C-30D4-8848-6C37-659ADF2E7DA2}"/>
+                </a:ext>
+              </a:extLst>
+            </p:cNvPr>
+            <p:cNvSpPr txBox="1"/>
+            <p:nvPr/>
+          </p:nvSpPr>
+          <p:spPr>
+            <a:xfrm>
+              <a:off x="10098091" y="3889900"/>
+              <a:ext cx="2218090" cy="1200329"/>
+            </a:xfrm>
+            <a:prstGeom prst="rect">
+              <a:avLst/>
+            </a:prstGeom>
+            <a:noFill/>
+          </p:spPr>
+          <p:txBody>
+            <a:bodyPr wrap="square" rtlCol="0">
+              <a:spAutoFit/>
+            </a:bodyPr>
+            <a:lstStyle/>
+            <a:p>
+              <a:pPr algn="ctr"/>
+              <a:r>
+                <a:rPr lang="es-CO" b="1" dirty="0">
+                  <a:solidFill>
+                    <a:schemeClr val="bg1"/>
+                  </a:solidFill>
+                  <a:latin typeface="Verdana" panose="020B0604030504040204" pitchFamily="34" charset="0"/>
+                  <a:ea typeface="Verdana" panose="020B0604030504040204" pitchFamily="34" charset="0"/>
+                </a:rPr>
+                <a:t>Regionalización Inversión 09/2025</a:t>
+              </a:r>
+            </a:p>
+            <a:p>
+              <a:endParaRPr lang="es-CO" dirty="0"/>
+            </a:p>
+          </p:txBody>
+        </p:sp>
+      </p:grpSp>
+      <p:grpSp>
+        <p:nvGrpSpPr>
+          <p:cNvPr id="48" name="Grupo 47">
+            <a:extLst>
+              <a:ext uri="{FF2B5EF4-FFF2-40B4-BE49-F238E27FC236}">
+                <a16:creationId xmlns:a16="http://schemas.microsoft.com/office/drawing/2014/main" id="{7CAB0FBF-F780-ABB6-F562-8C5BF09EA7DA}"/>
+              </a:ext>
+            </a:extLst>
+          </p:cNvPr>
+          <p:cNvGrpSpPr/>
+          <p:nvPr/>
+        </p:nvGrpSpPr>
+        <p:grpSpPr>
+          <a:xfrm>
+            <a:off x="9887704" y="4641499"/>
+            <a:ext cx="2470167" cy="2409738"/>
+            <a:chOff x="9958139" y="2526921"/>
+            <a:chExt cx="2470167" cy="2409738"/>
+          </a:xfrm>
+        </p:grpSpPr>
+        <p:sp>
+          <p:nvSpPr>
+            <p:cNvPr id="49" name="Diagrama de flujo: conector 48">
+              <a:extLst>
+                <a:ext uri="{FF2B5EF4-FFF2-40B4-BE49-F238E27FC236}">
+                  <a16:creationId xmlns:a16="http://schemas.microsoft.com/office/drawing/2014/main" id="{47275171-9844-2550-322C-647065BDB53F}"/>
+                </a:ext>
+              </a:extLst>
+            </p:cNvPr>
+            <p:cNvSpPr/>
+            <p:nvPr/>
+          </p:nvSpPr>
+          <p:spPr>
+            <a:xfrm>
+              <a:off x="9958139" y="2647647"/>
+              <a:ext cx="2470167" cy="2289012"/>
+            </a:xfrm>
+            <a:prstGeom prst="flowChartConnector">
+              <a:avLst/>
+            </a:prstGeom>
+            <a:solidFill>
+              <a:srgbClr val="052543"/>
+            </a:solidFill>
+            <a:ln>
+              <a:noFill/>
+            </a:ln>
+          </p:spPr>
+          <p:style>
+            <a:lnRef idx="2">
+              <a:schemeClr val="accent1">
+                <a:shade val="15000"/>
+              </a:schemeClr>
+            </a:lnRef>
+            <a:fillRef idx="1">
+              <a:schemeClr val="accent1"/>
+            </a:fillRef>
+            <a:effectRef idx="0">
+              <a:schemeClr val="accent1"/>
+            </a:effectRef>
+            <a:fontRef idx="minor">
+              <a:schemeClr val="lt1"/>
+            </a:fontRef>
+          </p:style>
+          <p:txBody>
+            <a:bodyPr rtlCol="0" anchor="ctr"/>
+            <a:lstStyle/>
+            <a:p>
+              <a:pPr algn="ctr"/>
+              <a:endParaRPr lang="es-CO" dirty="0"/>
+            </a:p>
+          </p:txBody>
+        </p:sp>
+        <p:pic>
+          <p:nvPicPr>
+            <p:cNvPr id="50" name="Gráfico 49" descr="Mapa con marcador con relleno sólido">
+              <a:extLst>
+                <a:ext uri="{FF2B5EF4-FFF2-40B4-BE49-F238E27FC236}">
+                  <a16:creationId xmlns:a16="http://schemas.microsoft.com/office/drawing/2014/main" id="{8DBD9CC2-BEA0-102C-F1FA-3D00BB7565B1}"/>
+                </a:ext>
+              </a:extLst>
+            </p:cNvPr>
+            <p:cNvPicPr>
+              <a:picLocks noChangeAspect="1"/>
+            </p:cNvPicPr>
+            <p:nvPr/>
+          </p:nvPicPr>
+          <p:blipFill>
+            <a:blip r:embed="rId18">
+              <a:extLst>
+                <a:ext uri="{96DAC541-7B7A-43D3-8B79-37D633B846F1}">
+                  <asvg:svgBlip xmlns:asvg="http://schemas.microsoft.com/office/drawing/2016/SVG/main" r:embed="rId19"/>
+                </a:ext>
+              </a:extLst>
+            </a:blip>
+            <a:stretch>
+              <a:fillRect/>
+            </a:stretch>
+          </p:blipFill>
+          <p:spPr>
+            <a:xfrm>
+              <a:off x="10448040" y="2526921"/>
+              <a:ext cx="1501887" cy="1501887"/>
+            </a:xfrm>
+            <a:prstGeom prst="rect">
+              <a:avLst/>
+            </a:prstGeom>
+          </p:spPr>
+        </p:pic>
+        <p:sp>
+          <p:nvSpPr>
+            <p:cNvPr id="51" name="CuadroTexto 50">
+              <a:extLst>
+                <a:ext uri="{FF2B5EF4-FFF2-40B4-BE49-F238E27FC236}">
+                  <a16:creationId xmlns:a16="http://schemas.microsoft.com/office/drawing/2014/main" id="{2C29053F-D291-93C3-4493-03A4E20D5121}"/>
+                </a:ext>
+              </a:extLst>
+            </p:cNvPr>
+            <p:cNvSpPr txBox="1"/>
+            <p:nvPr/>
+          </p:nvSpPr>
+          <p:spPr>
+            <a:xfrm>
+              <a:off x="10098091" y="3889900"/>
+              <a:ext cx="2218090" cy="923330"/>
+            </a:xfrm>
+            <a:prstGeom prst="rect">
+              <a:avLst/>
+            </a:prstGeom>
+            <a:noFill/>
+          </p:spPr>
+          <p:txBody>
+            <a:bodyPr wrap="square" rtlCol="0">
+              <a:spAutoFit/>
+            </a:bodyPr>
+            <a:lstStyle/>
+            <a:p>
+              <a:pPr algn="ctr"/>
+              <a:r>
+                <a:rPr lang="es-CO" b="1" dirty="0">
+                  <a:solidFill>
+                    <a:schemeClr val="bg1"/>
+                  </a:solidFill>
+                  <a:latin typeface="Verdana" panose="020B0604030504040204" pitchFamily="34" charset="0"/>
+                  <a:ea typeface="Verdana" panose="020B0604030504040204" pitchFamily="34" charset="0"/>
+                </a:rPr>
+                <a:t>Regionalización Inversión</a:t>
+              </a:r>
+            </a:p>
+            <a:p>
+              <a:endParaRPr lang="es-CO" dirty="0"/>
+            </a:p>
+          </p:txBody>
+        </p:sp>
+      </p:grpSp>
+      <p:grpSp>
+        <p:nvGrpSpPr>
+          <p:cNvPr id="59" name="Grupo 58">
+            <a:extLst>
+              <a:ext uri="{FF2B5EF4-FFF2-40B4-BE49-F238E27FC236}">
+                <a16:creationId xmlns:a16="http://schemas.microsoft.com/office/drawing/2014/main" id="{4336C8D8-099D-4180-09BB-2D4BE9994384}"/>
+              </a:ext>
+            </a:extLst>
+          </p:cNvPr>
+          <p:cNvGrpSpPr/>
+          <p:nvPr/>
+        </p:nvGrpSpPr>
+        <p:grpSpPr>
+          <a:xfrm>
+            <a:off x="-13999" y="4645228"/>
+            <a:ext cx="2470167" cy="2289012"/>
+            <a:chOff x="-13999" y="4788914"/>
+            <a:chExt cx="2470167" cy="2289012"/>
+          </a:xfrm>
+        </p:grpSpPr>
+        <p:sp>
+          <p:nvSpPr>
+            <p:cNvPr id="46" name="Diagrama de flujo: conector 45">
+              <a:extLst>
+                <a:ext uri="{FF2B5EF4-FFF2-40B4-BE49-F238E27FC236}">
+                  <a16:creationId xmlns:a16="http://schemas.microsoft.com/office/drawing/2014/main" id="{297011BB-D4BC-87DD-D4B4-BFA0DB0D6C6D}"/>
+                </a:ext>
+              </a:extLst>
+            </p:cNvPr>
+            <p:cNvSpPr/>
+            <p:nvPr/>
+          </p:nvSpPr>
+          <p:spPr>
+            <a:xfrm>
+              <a:off x="-13999" y="4788914"/>
+              <a:ext cx="2470167" cy="2289012"/>
+            </a:xfrm>
+            <a:prstGeom prst="flowChartConnector">
+              <a:avLst/>
+            </a:prstGeom>
+            <a:solidFill>
+              <a:srgbClr val="052543"/>
+            </a:solidFill>
+            <a:ln>
+              <a:noFill/>
+            </a:ln>
+          </p:spPr>
+          <p:style>
+            <a:lnRef idx="2">
+              <a:schemeClr val="accent1">
+                <a:shade val="15000"/>
+              </a:schemeClr>
+            </a:lnRef>
+            <a:fillRef idx="1">
+              <a:schemeClr val="accent1"/>
+            </a:fillRef>
+            <a:effectRef idx="0">
+              <a:schemeClr val="accent1"/>
+            </a:effectRef>
+            <a:fontRef idx="minor">
+              <a:schemeClr val="lt1"/>
+            </a:fontRef>
+          </p:style>
+          <p:txBody>
+            <a:bodyPr rtlCol="0" anchor="ctr"/>
+            <a:lstStyle/>
+            <a:p>
+              <a:pPr algn="ctr"/>
+              <a:endParaRPr lang="es-CO" dirty="0"/>
+            </a:p>
+          </p:txBody>
+        </p:sp>
+        <p:pic>
+          <p:nvPicPr>
+            <p:cNvPr id="52" name="Gráfico 51" descr="Bombilla y equipo con relleno sólido">
+              <a:extLst>
+                <a:ext uri="{FF2B5EF4-FFF2-40B4-BE49-F238E27FC236}">
+                  <a16:creationId xmlns:a16="http://schemas.microsoft.com/office/drawing/2014/main" id="{CA407D3D-4866-0B71-86C4-56B424791B44}"/>
+                </a:ext>
+              </a:extLst>
+            </p:cNvPr>
+            <p:cNvPicPr>
+              <a:picLocks noChangeAspect="1"/>
+            </p:cNvPicPr>
+            <p:nvPr/>
+          </p:nvPicPr>
+          <p:blipFill>
+            <a:blip r:embed="rId20">
+              <a:extLst>
+                <a:ext uri="{96DAC541-7B7A-43D3-8B79-37D633B846F1}">
+                  <asvg:svgBlip xmlns:asvg="http://schemas.microsoft.com/office/drawing/2016/SVG/main" r:embed="rId21"/>
+                </a:ext>
+              </a:extLst>
+            </a:blip>
+            <a:stretch>
+              <a:fillRect/>
+            </a:stretch>
+          </p:blipFill>
+          <p:spPr>
+            <a:xfrm>
+              <a:off x="594911" y="4935500"/>
+              <a:ext cx="1266115" cy="1266115"/>
+            </a:xfrm>
+            <a:prstGeom prst="rect">
+              <a:avLst/>
+            </a:prstGeom>
+          </p:spPr>
+        </p:pic>
+        <p:sp>
+          <p:nvSpPr>
+            <p:cNvPr id="58" name="CuadroTexto 57">
+              <a:extLst>
+                <a:ext uri="{FF2B5EF4-FFF2-40B4-BE49-F238E27FC236}">
+                  <a16:creationId xmlns:a16="http://schemas.microsoft.com/office/drawing/2014/main" id="{B46C8EAE-520D-4434-0AF7-F3B98E703E71}"/>
+                </a:ext>
+              </a:extLst>
+            </p:cNvPr>
+            <p:cNvSpPr txBox="1"/>
+            <p:nvPr/>
+          </p:nvSpPr>
+          <p:spPr>
+            <a:xfrm>
+              <a:off x="264567" y="6143386"/>
+              <a:ext cx="1959859" cy="923330"/>
+            </a:xfrm>
+            <a:prstGeom prst="rect">
+              <a:avLst/>
+            </a:prstGeom>
+            <a:noFill/>
+          </p:spPr>
+          <p:txBody>
+            <a:bodyPr wrap="square" rtlCol="0">
+              <a:spAutoFit/>
+            </a:bodyPr>
+            <a:lstStyle/>
+            <a:p>
+              <a:pPr algn="ctr"/>
+              <a:r>
+                <a:rPr lang="es-MX" b="1" dirty="0">
+                  <a:solidFill>
+                    <a:schemeClr val="bg1"/>
+                  </a:solidFill>
+                  <a:latin typeface="Verdana" panose="020B0604030504040204" pitchFamily="34" charset="0"/>
+                  <a:ea typeface="Verdana" panose="020B0604030504040204" pitchFamily="34" charset="0"/>
+                </a:rPr>
+                <a:t>Temas Relevantes IE</a:t>
+              </a:r>
+              <a:endParaRPr lang="es-CO" b="1" dirty="0">
+                <a:solidFill>
+                  <a:schemeClr val="bg1"/>
+                </a:solidFill>
+                <a:latin typeface="Verdana" panose="020B0604030504040204" pitchFamily="34" charset="0"/>
+                <a:ea typeface="Verdana" panose="020B0604030504040204" pitchFamily="34" charset="0"/>
+              </a:endParaRPr>
+            </a:p>
+          </p:txBody>
+        </p:sp>
+      </p:grpSp>
+      <p:grpSp>
+        <p:nvGrpSpPr>
+          <p:cNvPr id="62" name="Grupo 61">
+            <a:extLst>
+              <a:ext uri="{FF2B5EF4-FFF2-40B4-BE49-F238E27FC236}">
+                <a16:creationId xmlns:a16="http://schemas.microsoft.com/office/drawing/2014/main" id="{C702520C-BD74-F67E-2C96-BF00EF664883}"/>
+              </a:ext>
+            </a:extLst>
+          </p:cNvPr>
+          <p:cNvGrpSpPr/>
+          <p:nvPr/>
+        </p:nvGrpSpPr>
+        <p:grpSpPr>
+          <a:xfrm>
+            <a:off x="2465870" y="4780973"/>
+            <a:ext cx="2470167" cy="2302941"/>
+            <a:chOff x="2495918" y="4799720"/>
+            <a:chExt cx="2470167" cy="2302941"/>
+          </a:xfrm>
+        </p:grpSpPr>
+        <p:sp>
+          <p:nvSpPr>
+            <p:cNvPr id="53" name="Diagrama de flujo: conector 52">
+              <a:extLst>
+                <a:ext uri="{FF2B5EF4-FFF2-40B4-BE49-F238E27FC236}">
+                  <a16:creationId xmlns:a16="http://schemas.microsoft.com/office/drawing/2014/main" id="{54DA75D8-6899-5EFE-E372-2822C6AAAF68}"/>
+                </a:ext>
+              </a:extLst>
+            </p:cNvPr>
+            <p:cNvSpPr/>
+            <p:nvPr/>
+          </p:nvSpPr>
+          <p:spPr>
+            <a:xfrm>
+              <a:off x="2495918" y="4813649"/>
+              <a:ext cx="2470167" cy="2289012"/>
+            </a:xfrm>
+            <a:prstGeom prst="flowChartConnector">
+              <a:avLst/>
+            </a:prstGeom>
+            <a:solidFill>
+              <a:srgbClr val="052543"/>
+            </a:solidFill>
+            <a:ln>
+              <a:noFill/>
+            </a:ln>
+          </p:spPr>
+          <p:style>
+            <a:lnRef idx="2">
+              <a:schemeClr val="accent1">
+                <a:shade val="15000"/>
+              </a:schemeClr>
+            </a:lnRef>
+            <a:fillRef idx="1">
+              <a:schemeClr val="accent1"/>
+            </a:fillRef>
+            <a:effectRef idx="0">
+              <a:schemeClr val="accent1"/>
+            </a:effectRef>
+            <a:fontRef idx="minor">
+              <a:schemeClr val="lt1"/>
+            </a:fontRef>
+          </p:style>
+          <p:txBody>
+            <a:bodyPr rtlCol="0" anchor="ctr"/>
+            <a:lstStyle/>
+            <a:p>
+              <a:pPr algn="ctr"/>
+              <a:endParaRPr lang="es-CO" dirty="0"/>
+            </a:p>
+          </p:txBody>
+        </p:sp>
+        <p:pic>
+          <p:nvPicPr>
+            <p:cNvPr id="56" name="Gráfico 55" descr="Escena de una granja con relleno sólido">
+              <a:extLst>
+                <a:ext uri="{FF2B5EF4-FFF2-40B4-BE49-F238E27FC236}">
+                  <a16:creationId xmlns:a16="http://schemas.microsoft.com/office/drawing/2014/main" id="{C0C220FB-85D1-9431-9ACB-1F75EF278357}"/>
+                </a:ext>
+              </a:extLst>
+            </p:cNvPr>
+            <p:cNvPicPr>
+              <a:picLocks noChangeAspect="1"/>
+            </p:cNvPicPr>
+            <p:nvPr/>
+          </p:nvPicPr>
+          <p:blipFill>
+            <a:blip r:embed="rId22">
+              <a:extLst>
+                <a:ext uri="{96DAC541-7B7A-43D3-8B79-37D633B846F1}">
+                  <asvg:svgBlip xmlns:asvg="http://schemas.microsoft.com/office/drawing/2016/SVG/main" r:embed="rId23"/>
+                </a:ext>
+              </a:extLst>
+            </a:blip>
+            <a:stretch>
+              <a:fillRect/>
+            </a:stretch>
+          </p:blipFill>
+          <p:spPr>
+            <a:xfrm>
+              <a:off x="3016643" y="4799720"/>
+              <a:ext cx="1375200" cy="1375200"/>
+            </a:xfrm>
+            <a:prstGeom prst="rect">
+              <a:avLst/>
+            </a:prstGeom>
+          </p:spPr>
+        </p:pic>
+        <p:sp>
+          <p:nvSpPr>
+            <p:cNvPr id="60" name="CuadroTexto 59">
+              <a:extLst>
+                <a:ext uri="{FF2B5EF4-FFF2-40B4-BE49-F238E27FC236}">
+                  <a16:creationId xmlns:a16="http://schemas.microsoft.com/office/drawing/2014/main" id="{E7FEE4CF-BDBB-3551-F4B8-B9E3CE1BBDEB}"/>
+                </a:ext>
+              </a:extLst>
+            </p:cNvPr>
+            <p:cNvSpPr txBox="1"/>
+            <p:nvPr/>
+          </p:nvSpPr>
+          <p:spPr>
+            <a:xfrm>
+              <a:off x="2732681" y="6143386"/>
+              <a:ext cx="1996639" cy="646331"/>
+            </a:xfrm>
+            <a:prstGeom prst="rect">
+              <a:avLst/>
+            </a:prstGeom>
+            <a:noFill/>
+          </p:spPr>
+          <p:txBody>
+            <a:bodyPr wrap="square" rtlCol="0">
+              <a:spAutoFit/>
+            </a:bodyPr>
+            <a:lstStyle/>
+            <a:p>
+              <a:pPr algn="ctr"/>
+              <a:r>
+                <a:rPr lang="es-MX" b="1" dirty="0">
+                  <a:solidFill>
+                    <a:schemeClr val="bg1"/>
+                  </a:solidFill>
+                  <a:latin typeface="Verdana" panose="020B0604030504040204" pitchFamily="34" charset="0"/>
+                  <a:ea typeface="Verdana" panose="020B0604030504040204" pitchFamily="34" charset="0"/>
+                </a:rPr>
+                <a:t>Cumplimiento Norma NSR10</a:t>
+              </a:r>
+              <a:endParaRPr lang="es-CO" b="1" dirty="0">
+                <a:solidFill>
+                  <a:schemeClr val="bg1"/>
+                </a:solidFill>
+                <a:latin typeface="Verdana" panose="020B0604030504040204" pitchFamily="34" charset="0"/>
+                <a:ea typeface="Verdana" panose="020B0604030504040204" pitchFamily="34" charset="0"/>
+              </a:endParaRPr>
+            </a:p>
+          </p:txBody>
+        </p:sp>
+      </p:grpSp>
+      <p:grpSp>
+        <p:nvGrpSpPr>
+          <p:cNvPr id="66" name="Grupo 65">
+            <a:extLst>
+              <a:ext uri="{FF2B5EF4-FFF2-40B4-BE49-F238E27FC236}">
+                <a16:creationId xmlns:a16="http://schemas.microsoft.com/office/drawing/2014/main" id="{9350D7C6-71EC-CD33-2718-D7528542B6FE}"/>
+              </a:ext>
+            </a:extLst>
+          </p:cNvPr>
+          <p:cNvGrpSpPr/>
+          <p:nvPr/>
+        </p:nvGrpSpPr>
+        <p:grpSpPr>
+          <a:xfrm>
+            <a:off x="5009995" y="4780973"/>
+            <a:ext cx="2470167" cy="2289012"/>
+            <a:chOff x="5009995" y="4780973"/>
+            <a:chExt cx="2470167" cy="2289012"/>
+          </a:xfrm>
+        </p:grpSpPr>
+        <p:sp>
+          <p:nvSpPr>
+            <p:cNvPr id="54" name="Diagrama de flujo: conector 53">
+              <a:extLst>
+                <a:ext uri="{FF2B5EF4-FFF2-40B4-BE49-F238E27FC236}">
+                  <a16:creationId xmlns:a16="http://schemas.microsoft.com/office/drawing/2014/main" id="{12A6AE81-08DA-985B-1BC6-62EA4B59143C}"/>
+                </a:ext>
+              </a:extLst>
+            </p:cNvPr>
+            <p:cNvSpPr/>
+            <p:nvPr/>
+          </p:nvSpPr>
+          <p:spPr>
+            <a:xfrm>
+              <a:off x="5009995" y="4780973"/>
+              <a:ext cx="2470167" cy="2289012"/>
+            </a:xfrm>
+            <a:prstGeom prst="flowChartConnector">
+              <a:avLst/>
+            </a:prstGeom>
+            <a:solidFill>
+              <a:srgbClr val="052543"/>
+            </a:solidFill>
+            <a:ln>
+              <a:noFill/>
+            </a:ln>
+          </p:spPr>
+          <p:style>
+            <a:lnRef idx="2">
+              <a:schemeClr val="accent1">
+                <a:shade val="15000"/>
+              </a:schemeClr>
+            </a:lnRef>
+            <a:fillRef idx="1">
+              <a:schemeClr val="accent1"/>
+            </a:fillRef>
+            <a:effectRef idx="0">
+              <a:schemeClr val="accent1"/>
+            </a:effectRef>
+            <a:fontRef idx="minor">
+              <a:schemeClr val="lt1"/>
+            </a:fontRef>
+          </p:style>
+          <p:txBody>
+            <a:bodyPr rtlCol="0" anchor="ctr"/>
+            <a:lstStyle/>
+            <a:p>
+              <a:pPr algn="ctr"/>
+              <a:endParaRPr lang="es-CO" dirty="0">
+                <a:latin typeface="Verdana" panose="020B0604030504040204" pitchFamily="34" charset="0"/>
+                <a:ea typeface="Verdana" panose="020B0604030504040204" pitchFamily="34" charset="0"/>
+              </a:endParaRPr>
+            </a:p>
+          </p:txBody>
+        </p:sp>
+        <p:pic>
+          <p:nvPicPr>
+            <p:cNvPr id="57" name="Gráfico 56" descr="Robot con relleno sólido">
+              <a:extLst>
+                <a:ext uri="{FF2B5EF4-FFF2-40B4-BE49-F238E27FC236}">
+                  <a16:creationId xmlns:a16="http://schemas.microsoft.com/office/drawing/2014/main" id="{73CDF841-EA1F-5872-45CB-E26FA493A7BC}"/>
+                </a:ext>
+              </a:extLst>
+            </p:cNvPr>
+            <p:cNvPicPr>
+              <a:picLocks noChangeAspect="1"/>
+            </p:cNvPicPr>
+            <p:nvPr/>
+          </p:nvPicPr>
+          <p:blipFill>
+            <a:blip r:embed="rId24">
+              <a:extLst>
+                <a:ext uri="{96DAC541-7B7A-43D3-8B79-37D633B846F1}">
+                  <asvg:svgBlip xmlns:asvg="http://schemas.microsoft.com/office/drawing/2016/SVG/main" r:embed="rId25"/>
+                </a:ext>
+              </a:extLst>
+            </a:blip>
+            <a:stretch>
+              <a:fillRect/>
+            </a:stretch>
+          </p:blipFill>
+          <p:spPr>
+            <a:xfrm>
+              <a:off x="5600293" y="4856591"/>
+              <a:ext cx="1374098" cy="1374098"/>
+            </a:xfrm>
+            <a:prstGeom prst="rect">
+              <a:avLst/>
+            </a:prstGeom>
+          </p:spPr>
+        </p:pic>
+        <p:sp>
+          <p:nvSpPr>
+            <p:cNvPr id="61" name="CuadroTexto 60">
+              <a:extLst>
+                <a:ext uri="{FF2B5EF4-FFF2-40B4-BE49-F238E27FC236}">
+                  <a16:creationId xmlns:a16="http://schemas.microsoft.com/office/drawing/2014/main" id="{8161E22D-FB37-42E0-3BFB-E6AA7EFF3BC1}"/>
+                </a:ext>
+              </a:extLst>
+            </p:cNvPr>
+            <p:cNvSpPr txBox="1"/>
+            <p:nvPr/>
+          </p:nvSpPr>
+          <p:spPr>
+            <a:xfrm>
+              <a:off x="5564798" y="6230689"/>
+              <a:ext cx="1453503" cy="369332"/>
+            </a:xfrm>
+            <a:prstGeom prst="rect">
+              <a:avLst/>
+            </a:prstGeom>
+            <a:noFill/>
+          </p:spPr>
+          <p:txBody>
+            <a:bodyPr wrap="square" rtlCol="0">
+              <a:spAutoFit/>
+            </a:bodyPr>
+            <a:lstStyle/>
+            <a:p>
+              <a:pPr algn="ctr"/>
+              <a:r>
+                <a:rPr lang="es-MX" b="1" dirty="0">
+                  <a:solidFill>
+                    <a:schemeClr val="bg1"/>
+                  </a:solidFill>
+                  <a:latin typeface="Verdana" panose="020B0604030504040204" pitchFamily="34" charset="0"/>
+                  <a:ea typeface="Verdana" panose="020B0604030504040204" pitchFamily="34" charset="0"/>
+                </a:rPr>
+                <a:t>STEM+</a:t>
+              </a:r>
+              <a:endParaRPr lang="es-CO" b="1" dirty="0">
+                <a:solidFill>
+                  <a:schemeClr val="bg1"/>
+                </a:solidFill>
+                <a:latin typeface="Verdana" panose="020B0604030504040204" pitchFamily="34" charset="0"/>
+                <a:ea typeface="Verdana" panose="020B0604030504040204" pitchFamily="34" charset="0"/>
+              </a:endParaRPr>
+            </a:p>
+          </p:txBody>
+        </p:sp>
+      </p:grpSp>
+      <p:grpSp>
+        <p:nvGrpSpPr>
+          <p:cNvPr id="65" name="Grupo 64">
+            <a:extLst>
+              <a:ext uri="{FF2B5EF4-FFF2-40B4-BE49-F238E27FC236}">
+                <a16:creationId xmlns:a16="http://schemas.microsoft.com/office/drawing/2014/main" id="{D8E59991-C767-65F0-FFAC-E5723203F3AA}"/>
+              </a:ext>
+            </a:extLst>
+          </p:cNvPr>
+          <p:cNvGrpSpPr/>
+          <p:nvPr/>
+        </p:nvGrpSpPr>
+        <p:grpSpPr>
+          <a:xfrm>
+            <a:off x="7497407" y="4780973"/>
+            <a:ext cx="2470167" cy="2289012"/>
+            <a:chOff x="7497407" y="4780973"/>
+            <a:chExt cx="2470167" cy="2289012"/>
+          </a:xfrm>
+        </p:grpSpPr>
+        <p:sp>
+          <p:nvSpPr>
+            <p:cNvPr id="55" name="Diagrama de flujo: conector 54">
+              <a:extLst>
+                <a:ext uri="{FF2B5EF4-FFF2-40B4-BE49-F238E27FC236}">
+                  <a16:creationId xmlns:a16="http://schemas.microsoft.com/office/drawing/2014/main" id="{9842774E-528A-8DA0-8FE2-5E6BC3A0D598}"/>
+                </a:ext>
+              </a:extLst>
+            </p:cNvPr>
+            <p:cNvSpPr/>
+            <p:nvPr/>
+          </p:nvSpPr>
+          <p:spPr>
+            <a:xfrm>
+              <a:off x="7497407" y="4780973"/>
+              <a:ext cx="2470167" cy="2289012"/>
+            </a:xfrm>
+            <a:prstGeom prst="flowChartConnector">
+              <a:avLst/>
+            </a:prstGeom>
+            <a:solidFill>
+              <a:srgbClr val="052543"/>
+            </a:solidFill>
+            <a:ln>
+              <a:noFill/>
+            </a:ln>
+          </p:spPr>
+          <p:style>
+            <a:lnRef idx="2">
+              <a:schemeClr val="accent1">
+                <a:shade val="15000"/>
+              </a:schemeClr>
+            </a:lnRef>
+            <a:fillRef idx="1">
+              <a:schemeClr val="accent1"/>
+            </a:fillRef>
+            <a:effectRef idx="0">
+              <a:schemeClr val="accent1"/>
+            </a:effectRef>
+            <a:fontRef idx="minor">
+              <a:schemeClr val="lt1"/>
+            </a:fontRef>
+          </p:style>
+          <p:txBody>
+            <a:bodyPr rtlCol="0" anchor="ctr"/>
+            <a:lstStyle/>
+            <a:p>
+              <a:pPr algn="ctr"/>
+              <a:endParaRPr lang="es-CO" dirty="0"/>
+            </a:p>
+          </p:txBody>
+        </p:sp>
+        <p:pic>
+          <p:nvPicPr>
+            <p:cNvPr id="63" name="Gráfico 62" descr="Escena suburbana con relleno sólido">
+              <a:extLst>
+                <a:ext uri="{FF2B5EF4-FFF2-40B4-BE49-F238E27FC236}">
+                  <a16:creationId xmlns:a16="http://schemas.microsoft.com/office/drawing/2014/main" id="{83AAA34D-07AE-57A1-B7DE-1FBBD9667E1F}"/>
+                </a:ext>
+              </a:extLst>
+            </p:cNvPr>
+            <p:cNvPicPr>
+              <a:picLocks noChangeAspect="1"/>
+            </p:cNvPicPr>
+            <p:nvPr/>
+          </p:nvPicPr>
+          <p:blipFill>
+            <a:blip r:embed="rId26">
+              <a:extLst>
+                <a:ext uri="{96DAC541-7B7A-43D3-8B79-37D633B846F1}">
+                  <asvg:svgBlip xmlns:asvg="http://schemas.microsoft.com/office/drawing/2016/SVG/main" r:embed="rId27"/>
+                </a:ext>
+              </a:extLst>
+            </a:blip>
+            <a:stretch>
+              <a:fillRect/>
+            </a:stretch>
+          </p:blipFill>
+          <p:spPr>
+            <a:xfrm>
+              <a:off x="8124284" y="4989657"/>
+              <a:ext cx="1136543" cy="1136543"/>
+            </a:xfrm>
+            <a:prstGeom prst="rect">
+              <a:avLst/>
+            </a:prstGeom>
+          </p:spPr>
+        </p:pic>
+        <p:sp>
+          <p:nvSpPr>
+            <p:cNvPr id="64" name="CuadroTexto 63">
+              <a:extLst>
+                <a:ext uri="{FF2B5EF4-FFF2-40B4-BE49-F238E27FC236}">
+                  <a16:creationId xmlns:a16="http://schemas.microsoft.com/office/drawing/2014/main" id="{FF9BAA8B-1BDF-9682-6FD6-B8AD3AAEF005}"/>
+                </a:ext>
+              </a:extLst>
+            </p:cNvPr>
+            <p:cNvSpPr txBox="1"/>
+            <p:nvPr/>
+          </p:nvSpPr>
+          <p:spPr>
+            <a:xfrm>
+              <a:off x="7633195" y="6092189"/>
+              <a:ext cx="2202474" cy="646331"/>
+            </a:xfrm>
+            <a:prstGeom prst="rect">
+              <a:avLst/>
+            </a:prstGeom>
+            <a:noFill/>
+          </p:spPr>
+          <p:txBody>
+            <a:bodyPr wrap="square" rtlCol="0">
+              <a:spAutoFit/>
+            </a:bodyPr>
+            <a:lstStyle/>
+            <a:p>
+              <a:pPr algn="ctr"/>
+              <a:r>
+                <a:rPr lang="es-MX" b="1" dirty="0">
+                  <a:solidFill>
+                    <a:schemeClr val="bg1"/>
+                  </a:solidFill>
+                  <a:latin typeface="Verdana" panose="020B0604030504040204" pitchFamily="34" charset="0"/>
+                  <a:ea typeface="Verdana" panose="020B0604030504040204" pitchFamily="34" charset="0"/>
+                </a:rPr>
+                <a:t>Infraestructura Educativa</a:t>
+              </a:r>
+              <a:endParaRPr lang="es-CO" b="1" dirty="0">
+                <a:solidFill>
+                  <a:schemeClr val="bg1"/>
+                </a:solidFill>
+                <a:latin typeface="Verdana" panose="020B0604030504040204" pitchFamily="34" charset="0"/>
+                <a:ea typeface="Verdana" panose="020B0604030504040204" pitchFamily="34" charset="0"/>
+              </a:endParaRPr>
             </a:p>
           </p:txBody>
         </p:sp>

--- a/IMAGENES/ICONOS PLANEAMIENTO.pptx
+++ b/IMAGENES/ICONOS PLANEAMIENTO.pptx
@@ -264,7 +264,7 @@
           <a:p>
             <a:fld id="{E55CBF32-4DDC-4E96-8A53-192A9CFFB12A}" type="datetimeFigureOut">
               <a:rPr lang="es-CO" smtClean="0"/>
-              <a:t>15/01/2026</a:t>
+              <a:t>16/01/2026</a:t>
             </a:fld>
             <a:endParaRPr lang="es-CO"/>
           </a:p>
@@ -464,7 +464,7 @@
           <a:p>
             <a:fld id="{E55CBF32-4DDC-4E96-8A53-192A9CFFB12A}" type="datetimeFigureOut">
               <a:rPr lang="es-CO" smtClean="0"/>
-              <a:t>15/01/2026</a:t>
+              <a:t>16/01/2026</a:t>
             </a:fld>
             <a:endParaRPr lang="es-CO"/>
           </a:p>
@@ -674,7 +674,7 @@
           <a:p>
             <a:fld id="{E55CBF32-4DDC-4E96-8A53-192A9CFFB12A}" type="datetimeFigureOut">
               <a:rPr lang="es-CO" smtClean="0"/>
-              <a:t>15/01/2026</a:t>
+              <a:t>16/01/2026</a:t>
             </a:fld>
             <a:endParaRPr lang="es-CO"/>
           </a:p>
@@ -874,7 +874,7 @@
           <a:p>
             <a:fld id="{E55CBF32-4DDC-4E96-8A53-192A9CFFB12A}" type="datetimeFigureOut">
               <a:rPr lang="es-CO" smtClean="0"/>
-              <a:t>15/01/2026</a:t>
+              <a:t>16/01/2026</a:t>
             </a:fld>
             <a:endParaRPr lang="es-CO"/>
           </a:p>
@@ -1150,7 +1150,7 @@
           <a:p>
             <a:fld id="{E55CBF32-4DDC-4E96-8A53-192A9CFFB12A}" type="datetimeFigureOut">
               <a:rPr lang="es-CO" smtClean="0"/>
-              <a:t>15/01/2026</a:t>
+              <a:t>16/01/2026</a:t>
             </a:fld>
             <a:endParaRPr lang="es-CO"/>
           </a:p>
@@ -1418,7 +1418,7 @@
           <a:p>
             <a:fld id="{E55CBF32-4DDC-4E96-8A53-192A9CFFB12A}" type="datetimeFigureOut">
               <a:rPr lang="es-CO" smtClean="0"/>
-              <a:t>15/01/2026</a:t>
+              <a:t>16/01/2026</a:t>
             </a:fld>
             <a:endParaRPr lang="es-CO"/>
           </a:p>
@@ -1833,7 +1833,7 @@
           <a:p>
             <a:fld id="{E55CBF32-4DDC-4E96-8A53-192A9CFFB12A}" type="datetimeFigureOut">
               <a:rPr lang="es-CO" smtClean="0"/>
-              <a:t>15/01/2026</a:t>
+              <a:t>16/01/2026</a:t>
             </a:fld>
             <a:endParaRPr lang="es-CO"/>
           </a:p>
@@ -1975,7 +1975,7 @@
           <a:p>
             <a:fld id="{E55CBF32-4DDC-4E96-8A53-192A9CFFB12A}" type="datetimeFigureOut">
               <a:rPr lang="es-CO" smtClean="0"/>
-              <a:t>15/01/2026</a:t>
+              <a:t>16/01/2026</a:t>
             </a:fld>
             <a:endParaRPr lang="es-CO"/>
           </a:p>
@@ -2088,7 +2088,7 @@
           <a:p>
             <a:fld id="{E55CBF32-4DDC-4E96-8A53-192A9CFFB12A}" type="datetimeFigureOut">
               <a:rPr lang="es-CO" smtClean="0"/>
-              <a:t>15/01/2026</a:t>
+              <a:t>16/01/2026</a:t>
             </a:fld>
             <a:endParaRPr lang="es-CO"/>
           </a:p>
@@ -2401,7 +2401,7 @@
           <a:p>
             <a:fld id="{E55CBF32-4DDC-4E96-8A53-192A9CFFB12A}" type="datetimeFigureOut">
               <a:rPr lang="es-CO" smtClean="0"/>
-              <a:t>15/01/2026</a:t>
+              <a:t>16/01/2026</a:t>
             </a:fld>
             <a:endParaRPr lang="es-CO"/>
           </a:p>
@@ -2690,7 +2690,7 @@
           <a:p>
             <a:fld id="{E55CBF32-4DDC-4E96-8A53-192A9CFFB12A}" type="datetimeFigureOut">
               <a:rPr lang="es-CO" smtClean="0"/>
-              <a:t>15/01/2026</a:t>
+              <a:t>16/01/2026</a:t>
             </a:fld>
             <a:endParaRPr lang="es-CO"/>
           </a:p>
@@ -2933,7 +2933,7 @@
           <a:p>
             <a:fld id="{E55CBF32-4DDC-4E96-8A53-192A9CFFB12A}" type="datetimeFigureOut">
               <a:rPr lang="es-CO" smtClean="0"/>
-              <a:t>15/01/2026</a:t>
+              <a:t>16/01/2026</a:t>
             </a:fld>
             <a:endParaRPr lang="es-CO"/>
           </a:p>
@@ -4312,7 +4312,7 @@
         </p:nvGrpSpPr>
         <p:grpSpPr>
           <a:xfrm>
-            <a:off x="2673241" y="0"/>
+            <a:off x="2145916" y="-170431"/>
             <a:ext cx="2443396" cy="2398426"/>
             <a:chOff x="6925457" y="689548"/>
             <a:chExt cx="2443396" cy="2398426"/>
@@ -4466,7 +4466,7 @@
         </p:nvGrpSpPr>
         <p:grpSpPr>
           <a:xfrm>
-            <a:off x="0" y="0"/>
+            <a:off x="-339132" y="-118108"/>
             <a:ext cx="2443396" cy="2398426"/>
             <a:chOff x="1215871" y="3087974"/>
             <a:chExt cx="2443396" cy="2398426"/>
@@ -4621,7 +4621,7 @@
         </p:nvGrpSpPr>
         <p:grpSpPr>
           <a:xfrm>
-            <a:off x="5259044" y="91379"/>
+            <a:off x="4598776" y="-253724"/>
             <a:ext cx="2684338" cy="2419215"/>
             <a:chOff x="3465419" y="2766767"/>
             <a:chExt cx="2684338" cy="2419215"/>
@@ -4822,7 +4822,7 @@
         </p:nvGrpSpPr>
         <p:grpSpPr>
           <a:xfrm>
-            <a:off x="8034624" y="91379"/>
+            <a:off x="7361746" y="-191220"/>
             <a:ext cx="2684338" cy="2419215"/>
             <a:chOff x="0" y="2716163"/>
             <a:chExt cx="2684338" cy="2419215"/>
@@ -4994,142 +4994,12 @@
           </p:pic>
         </p:grpSp>
       </p:grpSp>
-      <p:sp>
-        <p:nvSpPr>
-          <p:cNvPr id="148" name="Diagrama de flujo: conector 147">
-            <a:extLst>
-              <a:ext uri="{FF2B5EF4-FFF2-40B4-BE49-F238E27FC236}">
-                <a16:creationId xmlns:a16="http://schemas.microsoft.com/office/drawing/2014/main" id="{5659E93A-687C-97D7-9C4B-CF013B21883C}"/>
-              </a:ext>
-            </a:extLst>
-          </p:cNvPr>
-          <p:cNvSpPr/>
-          <p:nvPr/>
-        </p:nvSpPr>
-        <p:spPr>
-          <a:xfrm>
-            <a:off x="-47116" y="2510594"/>
-            <a:ext cx="2470167" cy="2289012"/>
-          </a:xfrm>
-          <a:prstGeom prst="flowChartConnector">
-            <a:avLst/>
-          </a:prstGeom>
-          <a:solidFill>
-            <a:srgbClr val="052543"/>
-          </a:solidFill>
-          <a:ln>
-            <a:noFill/>
-          </a:ln>
-        </p:spPr>
-        <p:style>
-          <a:lnRef idx="2">
-            <a:schemeClr val="accent1">
-              <a:shade val="15000"/>
-            </a:schemeClr>
-          </a:lnRef>
-          <a:fillRef idx="1">
-            <a:schemeClr val="accent1"/>
-          </a:fillRef>
-          <a:effectRef idx="0">
-            <a:schemeClr val="accent1"/>
-          </a:effectRef>
-          <a:fontRef idx="minor">
-            <a:schemeClr val="lt1"/>
-          </a:fontRef>
-        </p:style>
-        <p:txBody>
-          <a:bodyPr rtlCol="0" anchor="ctr"/>
-          <a:lstStyle/>
-          <a:p>
-            <a:pPr algn="ctr"/>
-            <a:endParaRPr lang="es-CO" dirty="0"/>
-          </a:p>
-        </p:txBody>
-      </p:sp>
-      <p:pic>
-        <p:nvPicPr>
-          <p:cNvPr id="47" name="Gráfico 46" descr="Piezas de rompecabezas con relleno sólido">
-            <a:extLst>
-              <a:ext uri="{FF2B5EF4-FFF2-40B4-BE49-F238E27FC236}">
-                <a16:creationId xmlns:a16="http://schemas.microsoft.com/office/drawing/2014/main" id="{ADE278B6-43FE-B7A6-7A1D-E9D53F4AA3C0}"/>
-              </a:ext>
-            </a:extLst>
-          </p:cNvPr>
-          <p:cNvPicPr>
-            <a:picLocks noChangeAspect="1"/>
-          </p:cNvPicPr>
-          <p:nvPr/>
-        </p:nvPicPr>
-        <p:blipFill>
-          <a:blip r:embed="rId12">
-            <a:extLst>
-              <a:ext uri="{96DAC541-7B7A-43D3-8B79-37D633B846F1}">
-                <asvg:svgBlip xmlns:asvg="http://schemas.microsoft.com/office/drawing/2016/SVG/main" r:embed="rId13"/>
-              </a:ext>
-            </a:extLst>
-          </a:blip>
-          <a:stretch>
-            <a:fillRect/>
-          </a:stretch>
-        </p:blipFill>
-        <p:spPr>
-          <a:xfrm>
-            <a:off x="705352" y="2579196"/>
-            <a:ext cx="1091809" cy="1222878"/>
-          </a:xfrm>
-          <a:prstGeom prst="rect">
-            <a:avLst/>
-          </a:prstGeom>
-        </p:spPr>
-      </p:pic>
-      <p:sp>
-        <p:nvSpPr>
-          <p:cNvPr id="149" name="CuadroTexto 148">
-            <a:extLst>
-              <a:ext uri="{FF2B5EF4-FFF2-40B4-BE49-F238E27FC236}">
-                <a16:creationId xmlns:a16="http://schemas.microsoft.com/office/drawing/2014/main" id="{A316425D-7BFA-4784-6FD3-CC333349F452}"/>
-              </a:ext>
-            </a:extLst>
-          </p:cNvPr>
-          <p:cNvSpPr txBox="1"/>
-          <p:nvPr/>
-        </p:nvSpPr>
-        <p:spPr>
-          <a:xfrm>
-            <a:off x="269029" y="3802074"/>
-            <a:ext cx="1859549" cy="646331"/>
-          </a:xfrm>
-          <a:prstGeom prst="rect">
-            <a:avLst/>
-          </a:prstGeom>
-          <a:noFill/>
-        </p:spPr>
-        <p:txBody>
-          <a:bodyPr wrap="square" rtlCol="0">
-            <a:spAutoFit/>
-          </a:bodyPr>
-          <a:lstStyle/>
-          <a:p>
-            <a:pPr algn="ctr"/>
-            <a:r>
-              <a:rPr lang="es-CO" b="1" dirty="0">
-                <a:solidFill>
-                  <a:schemeClr val="bg1"/>
-                </a:solidFill>
-                <a:latin typeface="Verdana" panose="020B0604030504040204" pitchFamily="34" charset="0"/>
-                <a:ea typeface="Verdana" panose="020B0604030504040204" pitchFamily="34" charset="0"/>
-              </a:rPr>
-              <a:t>Índice de Innovación</a:t>
-            </a:r>
-          </a:p>
-        </p:txBody>
-      </p:sp>
       <p:grpSp>
         <p:nvGrpSpPr>
-          <p:cNvPr id="10" name="Grupo 9">
-            <a:extLst>
-              <a:ext uri="{FF2B5EF4-FFF2-40B4-BE49-F238E27FC236}">
-                <a16:creationId xmlns:a16="http://schemas.microsoft.com/office/drawing/2014/main" id="{8F059D5D-3BDE-FF06-C08C-1796ABBCBB74}"/>
+          <p:cNvPr id="44" name="Grupo 43">
+            <a:extLst>
+              <a:ext uri="{FF2B5EF4-FFF2-40B4-BE49-F238E27FC236}">
+                <a16:creationId xmlns:a16="http://schemas.microsoft.com/office/drawing/2014/main" id="{EA1C0BF3-51DC-492E-313E-5434A8444A28}"/>
               </a:ext>
             </a:extLst>
           </p:cNvPr>
@@ -5138,7 +5008,158 @@
         </p:nvGrpSpPr>
         <p:grpSpPr>
           <a:xfrm>
-            <a:off x="2564901" y="2510594"/>
+            <a:off x="10111689" y="-104695"/>
+            <a:ext cx="2470167" cy="2289012"/>
+            <a:chOff x="-47116" y="2510594"/>
+            <a:chExt cx="2470167" cy="2289012"/>
+          </a:xfrm>
+        </p:grpSpPr>
+        <p:sp>
+          <p:nvSpPr>
+            <p:cNvPr id="148" name="Diagrama de flujo: conector 147">
+              <a:extLst>
+                <a:ext uri="{FF2B5EF4-FFF2-40B4-BE49-F238E27FC236}">
+                  <a16:creationId xmlns:a16="http://schemas.microsoft.com/office/drawing/2014/main" id="{5659E93A-687C-97D7-9C4B-CF013B21883C}"/>
+                </a:ext>
+              </a:extLst>
+            </p:cNvPr>
+            <p:cNvSpPr/>
+            <p:nvPr/>
+          </p:nvSpPr>
+          <p:spPr>
+            <a:xfrm>
+              <a:off x="-47116" y="2510594"/>
+              <a:ext cx="2470167" cy="2289012"/>
+            </a:xfrm>
+            <a:prstGeom prst="flowChartConnector">
+              <a:avLst/>
+            </a:prstGeom>
+            <a:solidFill>
+              <a:srgbClr val="052543"/>
+            </a:solidFill>
+            <a:ln>
+              <a:noFill/>
+            </a:ln>
+          </p:spPr>
+          <p:style>
+            <a:lnRef idx="2">
+              <a:schemeClr val="accent1">
+                <a:shade val="15000"/>
+              </a:schemeClr>
+            </a:lnRef>
+            <a:fillRef idx="1">
+              <a:schemeClr val="accent1"/>
+            </a:fillRef>
+            <a:effectRef idx="0">
+              <a:schemeClr val="accent1"/>
+            </a:effectRef>
+            <a:fontRef idx="minor">
+              <a:schemeClr val="lt1"/>
+            </a:fontRef>
+          </p:style>
+          <p:txBody>
+            <a:bodyPr rtlCol="0" anchor="ctr"/>
+            <a:lstStyle/>
+            <a:p>
+              <a:pPr algn="ctr"/>
+              <a:endParaRPr lang="es-CO" dirty="0"/>
+            </a:p>
+          </p:txBody>
+        </p:sp>
+        <p:pic>
+          <p:nvPicPr>
+            <p:cNvPr id="47" name="Gráfico 46" descr="Piezas de rompecabezas con relleno sólido">
+              <a:extLst>
+                <a:ext uri="{FF2B5EF4-FFF2-40B4-BE49-F238E27FC236}">
+                  <a16:creationId xmlns:a16="http://schemas.microsoft.com/office/drawing/2014/main" id="{ADE278B6-43FE-B7A6-7A1D-E9D53F4AA3C0}"/>
+                </a:ext>
+              </a:extLst>
+            </p:cNvPr>
+            <p:cNvPicPr>
+              <a:picLocks noChangeAspect="1"/>
+            </p:cNvPicPr>
+            <p:nvPr/>
+          </p:nvPicPr>
+          <p:blipFill>
+            <a:blip r:embed="rId12">
+              <a:extLst>
+                <a:ext uri="{96DAC541-7B7A-43D3-8B79-37D633B846F1}">
+                  <asvg:svgBlip xmlns:asvg="http://schemas.microsoft.com/office/drawing/2016/SVG/main" r:embed="rId13"/>
+                </a:ext>
+              </a:extLst>
+            </a:blip>
+            <a:stretch>
+              <a:fillRect/>
+            </a:stretch>
+          </p:blipFill>
+          <p:spPr>
+            <a:xfrm>
+              <a:off x="705352" y="2579196"/>
+              <a:ext cx="1091809" cy="1222878"/>
+            </a:xfrm>
+            <a:prstGeom prst="rect">
+              <a:avLst/>
+            </a:prstGeom>
+          </p:spPr>
+        </p:pic>
+        <p:sp>
+          <p:nvSpPr>
+            <p:cNvPr id="149" name="CuadroTexto 148">
+              <a:extLst>
+                <a:ext uri="{FF2B5EF4-FFF2-40B4-BE49-F238E27FC236}">
+                  <a16:creationId xmlns:a16="http://schemas.microsoft.com/office/drawing/2014/main" id="{A316425D-7BFA-4784-6FD3-CC333349F452}"/>
+                </a:ext>
+              </a:extLst>
+            </p:cNvPr>
+            <p:cNvSpPr txBox="1"/>
+            <p:nvPr/>
+          </p:nvSpPr>
+          <p:spPr>
+            <a:xfrm>
+              <a:off x="269029" y="3802074"/>
+              <a:ext cx="1859549" cy="646331"/>
+            </a:xfrm>
+            <a:prstGeom prst="rect">
+              <a:avLst/>
+            </a:prstGeom>
+            <a:noFill/>
+          </p:spPr>
+          <p:txBody>
+            <a:bodyPr wrap="square" rtlCol="0">
+              <a:spAutoFit/>
+            </a:bodyPr>
+            <a:lstStyle/>
+            <a:p>
+              <a:pPr algn="ctr"/>
+              <a:r>
+                <a:rPr lang="es-CO" b="1" dirty="0">
+                  <a:solidFill>
+                    <a:schemeClr val="bg1"/>
+                  </a:solidFill>
+                  <a:latin typeface="Verdana" panose="020B0604030504040204" pitchFamily="34" charset="0"/>
+                  <a:ea typeface="Verdana" panose="020B0604030504040204" pitchFamily="34" charset="0"/>
+                </a:rPr>
+                <a:t>Índice de Innovación</a:t>
+              </a:r>
+            </a:p>
+          </p:txBody>
+        </p:sp>
+      </p:grpSp>
+      <p:grpSp>
+        <p:nvGrpSpPr>
+          <p:cNvPr id="10" name="Grupo 9">
+            <a:extLst>
+              <a:ext uri="{FF2B5EF4-FFF2-40B4-BE49-F238E27FC236}">
+                <a16:creationId xmlns:a16="http://schemas.microsoft.com/office/drawing/2014/main" id="{8F059D5D-3BDE-FF06-C08C-1796ABBCBB74}"/>
+              </a:ext>
+            </a:extLst>
+          </p:cNvPr>
+          <p:cNvGrpSpPr/>
+          <p:nvPr/>
+        </p:nvGrpSpPr>
+        <p:grpSpPr>
+          <a:xfrm>
+            <a:off x="-116151" y="2332385"/>
             <a:ext cx="2470167" cy="2289012"/>
             <a:chOff x="2564901" y="2510594"/>
             <a:chExt cx="2470167" cy="2289012"/>
@@ -5289,7 +5310,7 @@
         </p:nvGrpSpPr>
         <p:grpSpPr>
           <a:xfrm>
-            <a:off x="5176918" y="2510594"/>
+            <a:off x="2441794" y="2349434"/>
             <a:ext cx="2470167" cy="2289012"/>
             <a:chOff x="5176918" y="2510594"/>
             <a:chExt cx="2470167" cy="2289012"/>
@@ -5440,7 +5461,7 @@
         </p:nvGrpSpPr>
         <p:grpSpPr>
           <a:xfrm>
-            <a:off x="7973315" y="2579196"/>
+            <a:off x="4908576" y="2332385"/>
             <a:ext cx="2470167" cy="2289012"/>
             <a:chOff x="7973315" y="2579196"/>
             <a:chExt cx="2470167" cy="2289012"/>
@@ -5591,7 +5612,7 @@
         </p:nvGrpSpPr>
         <p:grpSpPr>
           <a:xfrm>
-            <a:off x="0" y="4868208"/>
+            <a:off x="-116151" y="4689999"/>
             <a:ext cx="2470167" cy="2289012"/>
             <a:chOff x="2486042" y="4799606"/>
             <a:chExt cx="2470167" cy="2289012"/>
@@ -5742,7 +5763,7 @@
         </p:nvGrpSpPr>
         <p:grpSpPr>
           <a:xfrm>
-            <a:off x="2673241" y="4877978"/>
+            <a:off x="2393813" y="4727801"/>
             <a:ext cx="2470167" cy="2289012"/>
             <a:chOff x="5411750" y="4888961"/>
             <a:chExt cx="2470167" cy="2289012"/>
@@ -5893,7 +5914,7 @@
         </p:nvGrpSpPr>
         <p:grpSpPr>
           <a:xfrm>
-            <a:off x="5259044" y="4900863"/>
+            <a:off x="9910732" y="2409663"/>
             <a:ext cx="2470167" cy="2289012"/>
             <a:chOff x="5259044" y="4900863"/>
             <a:chExt cx="2470167" cy="2289012"/>
@@ -6044,7 +6065,7 @@
         </p:nvGrpSpPr>
         <p:grpSpPr>
           <a:xfrm>
-            <a:off x="7927919" y="4948975"/>
+            <a:off x="7408012" y="2400987"/>
             <a:ext cx="2470167" cy="2289012"/>
             <a:chOff x="7927919" y="4948975"/>
             <a:chExt cx="2470167" cy="2289012"/>
@@ -6176,6 +6197,157 @@
                   <a:ea typeface="Verdana" panose="020B0604030504040204" pitchFamily="34" charset="0"/>
                 </a:rPr>
                 <a:t>Pruebas Saber 11</a:t>
+              </a:r>
+            </a:p>
+          </p:txBody>
+        </p:sp>
+      </p:grpSp>
+      <p:grpSp>
+        <p:nvGrpSpPr>
+          <p:cNvPr id="53" name="Grupo 52">
+            <a:extLst>
+              <a:ext uri="{FF2B5EF4-FFF2-40B4-BE49-F238E27FC236}">
+                <a16:creationId xmlns:a16="http://schemas.microsoft.com/office/drawing/2014/main" id="{A24D9A2B-04A1-D2D4-C643-79B6D9B489C7}"/>
+              </a:ext>
+            </a:extLst>
+          </p:cNvPr>
+          <p:cNvGrpSpPr/>
+          <p:nvPr/>
+        </p:nvGrpSpPr>
+        <p:grpSpPr>
+          <a:xfrm>
+            <a:off x="4876023" y="4584974"/>
+            <a:ext cx="2470167" cy="2289012"/>
+            <a:chOff x="4876023" y="4584974"/>
+            <a:chExt cx="2470167" cy="2289012"/>
+          </a:xfrm>
+        </p:grpSpPr>
+        <p:sp>
+          <p:nvSpPr>
+            <p:cNvPr id="46" name="Diagrama de flujo: conector 45">
+              <a:extLst>
+                <a:ext uri="{FF2B5EF4-FFF2-40B4-BE49-F238E27FC236}">
+                  <a16:creationId xmlns:a16="http://schemas.microsoft.com/office/drawing/2014/main" id="{DB6AAF0F-385A-9596-0BD0-7E1D7781BE2A}"/>
+                </a:ext>
+              </a:extLst>
+            </p:cNvPr>
+            <p:cNvSpPr/>
+            <p:nvPr/>
+          </p:nvSpPr>
+          <p:spPr>
+            <a:xfrm>
+              <a:off x="4876023" y="4584974"/>
+              <a:ext cx="2470167" cy="2289012"/>
+            </a:xfrm>
+            <a:prstGeom prst="flowChartConnector">
+              <a:avLst/>
+            </a:prstGeom>
+            <a:solidFill>
+              <a:srgbClr val="052543"/>
+            </a:solidFill>
+            <a:ln>
+              <a:noFill/>
+            </a:ln>
+          </p:spPr>
+          <p:style>
+            <a:lnRef idx="2">
+              <a:schemeClr val="accent1">
+                <a:shade val="15000"/>
+              </a:schemeClr>
+            </a:lnRef>
+            <a:fillRef idx="1">
+              <a:schemeClr val="accent1"/>
+            </a:fillRef>
+            <a:effectRef idx="0">
+              <a:schemeClr val="accent1"/>
+            </a:effectRef>
+            <a:fontRef idx="minor">
+              <a:schemeClr val="lt1"/>
+            </a:fontRef>
+          </p:style>
+          <p:txBody>
+            <a:bodyPr rtlCol="0" anchor="ctr"/>
+            <a:lstStyle/>
+            <a:p>
+              <a:pPr algn="ctr"/>
+              <a:endParaRPr lang="es-CO" dirty="0"/>
+            </a:p>
+          </p:txBody>
+        </p:sp>
+        <p:pic>
+          <p:nvPicPr>
+            <p:cNvPr id="50" name="Gráfico 49" descr="Reseña de cliente con relleno sólido">
+              <a:extLst>
+                <a:ext uri="{FF2B5EF4-FFF2-40B4-BE49-F238E27FC236}">
+                  <a16:creationId xmlns:a16="http://schemas.microsoft.com/office/drawing/2014/main" id="{F77B10FD-388D-1B1F-A3D0-69BB6B533712}"/>
+                </a:ext>
+              </a:extLst>
+            </p:cNvPr>
+            <p:cNvPicPr>
+              <a:picLocks noChangeAspect="1"/>
+            </p:cNvPicPr>
+            <p:nvPr/>
+          </p:nvPicPr>
+          <p:blipFill>
+            <a:blip r:embed="rId28">
+              <a:extLst>
+                <a:ext uri="{96DAC541-7B7A-43D3-8B79-37D633B846F1}">
+                  <asvg:svgBlip xmlns:asvg="http://schemas.microsoft.com/office/drawing/2016/SVG/main" r:embed="rId29"/>
+                </a:ext>
+              </a:extLst>
+            </a:blip>
+            <a:stretch>
+              <a:fillRect/>
+            </a:stretch>
+          </p:blipFill>
+          <p:spPr>
+            <a:xfrm>
+              <a:off x="5530116" y="4788291"/>
+              <a:ext cx="1219658" cy="1219658"/>
+            </a:xfrm>
+            <a:prstGeom prst="rect">
+              <a:avLst/>
+            </a:prstGeom>
+          </p:spPr>
+        </p:pic>
+        <p:sp>
+          <p:nvSpPr>
+            <p:cNvPr id="52" name="CuadroTexto 51">
+              <a:extLst>
+                <a:ext uri="{FF2B5EF4-FFF2-40B4-BE49-F238E27FC236}">
+                  <a16:creationId xmlns:a16="http://schemas.microsoft.com/office/drawing/2014/main" id="{1E654272-15FA-3507-3175-AEDBEB2E1685}"/>
+                </a:ext>
+              </a:extLst>
+            </p:cNvPr>
+            <p:cNvSpPr txBox="1"/>
+            <p:nvPr/>
+          </p:nvSpPr>
+          <p:spPr>
+            <a:xfrm>
+              <a:off x="5265189" y="6038874"/>
+              <a:ext cx="1804367" cy="369332"/>
+            </a:xfrm>
+            <a:prstGeom prst="rect">
+              <a:avLst/>
+            </a:prstGeom>
+            <a:noFill/>
+          </p:spPr>
+          <p:txBody>
+            <a:bodyPr wrap="square" rtlCol="0">
+              <a:spAutoFit/>
+            </a:bodyPr>
+            <a:lstStyle/>
+            <a:p>
+              <a:pPr algn="ctr"/>
+              <a:r>
+                <a:rPr lang="es-CO" b="1" dirty="0">
+                  <a:solidFill>
+                    <a:schemeClr val="bg1"/>
+                  </a:solidFill>
+                  <a:latin typeface="Verdana" panose="020B0604030504040204" pitchFamily="34" charset="0"/>
+                  <a:ea typeface="Verdana" panose="020B0604030504040204" pitchFamily="34" charset="0"/>
+                </a:rPr>
+                <a:t>Encuestas</a:t>
               </a:r>
             </a:p>
           </p:txBody>

--- a/IMAGENES/ICONOS PLANEAMIENTO.pptx
+++ b/IMAGENES/ICONOS PLANEAMIENTO.pptx
@@ -264,7 +264,7 @@
           <a:p>
             <a:fld id="{E55CBF32-4DDC-4E96-8A53-192A9CFFB12A}" type="datetimeFigureOut">
               <a:rPr lang="es-CO" smtClean="0"/>
-              <a:t>16/01/2026</a:t>
+              <a:t>20/01/2026</a:t>
             </a:fld>
             <a:endParaRPr lang="es-CO"/>
           </a:p>
@@ -464,7 +464,7 @@
           <a:p>
             <a:fld id="{E55CBF32-4DDC-4E96-8A53-192A9CFFB12A}" type="datetimeFigureOut">
               <a:rPr lang="es-CO" smtClean="0"/>
-              <a:t>16/01/2026</a:t>
+              <a:t>20/01/2026</a:t>
             </a:fld>
             <a:endParaRPr lang="es-CO"/>
           </a:p>
@@ -674,7 +674,7 @@
           <a:p>
             <a:fld id="{E55CBF32-4DDC-4E96-8A53-192A9CFFB12A}" type="datetimeFigureOut">
               <a:rPr lang="es-CO" smtClean="0"/>
-              <a:t>16/01/2026</a:t>
+              <a:t>20/01/2026</a:t>
             </a:fld>
             <a:endParaRPr lang="es-CO"/>
           </a:p>
@@ -874,7 +874,7 @@
           <a:p>
             <a:fld id="{E55CBF32-4DDC-4E96-8A53-192A9CFFB12A}" type="datetimeFigureOut">
               <a:rPr lang="es-CO" smtClean="0"/>
-              <a:t>16/01/2026</a:t>
+              <a:t>20/01/2026</a:t>
             </a:fld>
             <a:endParaRPr lang="es-CO"/>
           </a:p>
@@ -1150,7 +1150,7 @@
           <a:p>
             <a:fld id="{E55CBF32-4DDC-4E96-8A53-192A9CFFB12A}" type="datetimeFigureOut">
               <a:rPr lang="es-CO" smtClean="0"/>
-              <a:t>16/01/2026</a:t>
+              <a:t>20/01/2026</a:t>
             </a:fld>
             <a:endParaRPr lang="es-CO"/>
           </a:p>
@@ -1418,7 +1418,7 @@
           <a:p>
             <a:fld id="{E55CBF32-4DDC-4E96-8A53-192A9CFFB12A}" type="datetimeFigureOut">
               <a:rPr lang="es-CO" smtClean="0"/>
-              <a:t>16/01/2026</a:t>
+              <a:t>20/01/2026</a:t>
             </a:fld>
             <a:endParaRPr lang="es-CO"/>
           </a:p>
@@ -1833,7 +1833,7 @@
           <a:p>
             <a:fld id="{E55CBF32-4DDC-4E96-8A53-192A9CFFB12A}" type="datetimeFigureOut">
               <a:rPr lang="es-CO" smtClean="0"/>
-              <a:t>16/01/2026</a:t>
+              <a:t>20/01/2026</a:t>
             </a:fld>
             <a:endParaRPr lang="es-CO"/>
           </a:p>
@@ -1975,7 +1975,7 @@
           <a:p>
             <a:fld id="{E55CBF32-4DDC-4E96-8A53-192A9CFFB12A}" type="datetimeFigureOut">
               <a:rPr lang="es-CO" smtClean="0"/>
-              <a:t>16/01/2026</a:t>
+              <a:t>20/01/2026</a:t>
             </a:fld>
             <a:endParaRPr lang="es-CO"/>
           </a:p>
@@ -2088,7 +2088,7 @@
           <a:p>
             <a:fld id="{E55CBF32-4DDC-4E96-8A53-192A9CFFB12A}" type="datetimeFigureOut">
               <a:rPr lang="es-CO" smtClean="0"/>
-              <a:t>16/01/2026</a:t>
+              <a:t>20/01/2026</a:t>
             </a:fld>
             <a:endParaRPr lang="es-CO"/>
           </a:p>
@@ -2401,7 +2401,7 @@
           <a:p>
             <a:fld id="{E55CBF32-4DDC-4E96-8A53-192A9CFFB12A}" type="datetimeFigureOut">
               <a:rPr lang="es-CO" smtClean="0"/>
-              <a:t>16/01/2026</a:t>
+              <a:t>20/01/2026</a:t>
             </a:fld>
             <a:endParaRPr lang="es-CO"/>
           </a:p>
@@ -2690,7 +2690,7 @@
           <a:p>
             <a:fld id="{E55CBF32-4DDC-4E96-8A53-192A9CFFB12A}" type="datetimeFigureOut">
               <a:rPr lang="es-CO" smtClean="0"/>
-              <a:t>16/01/2026</a:t>
+              <a:t>20/01/2026</a:t>
             </a:fld>
             <a:endParaRPr lang="es-CO"/>
           </a:p>
@@ -2933,7 +2933,7 @@
           <a:p>
             <a:fld id="{E55CBF32-4DDC-4E96-8A53-192A9CFFB12A}" type="datetimeFigureOut">
               <a:rPr lang="es-CO" smtClean="0"/>
-              <a:t>16/01/2026</a:t>
+              <a:t>20/01/2026</a:t>
             </a:fld>
             <a:endParaRPr lang="es-CO"/>
           </a:p>
@@ -6348,6 +6348,157 @@
                   <a:ea typeface="Verdana" panose="020B0604030504040204" pitchFamily="34" charset="0"/>
                 </a:rPr>
                 <a:t>Encuestas</a:t>
+              </a:r>
+            </a:p>
+          </p:txBody>
+        </p:sp>
+      </p:grpSp>
+      <p:grpSp>
+        <p:nvGrpSpPr>
+          <p:cNvPr id="56" name="Grupo 55">
+            <a:extLst>
+              <a:ext uri="{FF2B5EF4-FFF2-40B4-BE49-F238E27FC236}">
+                <a16:creationId xmlns:a16="http://schemas.microsoft.com/office/drawing/2014/main" id="{ED9ACF59-2637-0FC4-CE27-D1D7473AA319}"/>
+              </a:ext>
+            </a:extLst>
+          </p:cNvPr>
+          <p:cNvGrpSpPr/>
+          <p:nvPr/>
+        </p:nvGrpSpPr>
+        <p:grpSpPr>
+          <a:xfrm>
+            <a:off x="7385987" y="4740651"/>
+            <a:ext cx="2470167" cy="2289012"/>
+            <a:chOff x="7385987" y="4740651"/>
+            <a:chExt cx="2470167" cy="2289012"/>
+          </a:xfrm>
+        </p:grpSpPr>
+        <p:sp>
+          <p:nvSpPr>
+            <p:cNvPr id="48" name="Diagrama de flujo: conector 47">
+              <a:extLst>
+                <a:ext uri="{FF2B5EF4-FFF2-40B4-BE49-F238E27FC236}">
+                  <a16:creationId xmlns:a16="http://schemas.microsoft.com/office/drawing/2014/main" id="{5AFCCEE1-1C98-004B-16B9-E63DAE9C274B}"/>
+                </a:ext>
+              </a:extLst>
+            </p:cNvPr>
+            <p:cNvSpPr/>
+            <p:nvPr/>
+          </p:nvSpPr>
+          <p:spPr>
+            <a:xfrm>
+              <a:off x="7385987" y="4740651"/>
+              <a:ext cx="2470167" cy="2289012"/>
+            </a:xfrm>
+            <a:prstGeom prst="flowChartConnector">
+              <a:avLst/>
+            </a:prstGeom>
+            <a:solidFill>
+              <a:srgbClr val="052543"/>
+            </a:solidFill>
+            <a:ln>
+              <a:noFill/>
+            </a:ln>
+          </p:spPr>
+          <p:style>
+            <a:lnRef idx="2">
+              <a:schemeClr val="accent1">
+                <a:shade val="15000"/>
+              </a:schemeClr>
+            </a:lnRef>
+            <a:fillRef idx="1">
+              <a:schemeClr val="accent1"/>
+            </a:fillRef>
+            <a:effectRef idx="0">
+              <a:schemeClr val="accent1"/>
+            </a:effectRef>
+            <a:fontRef idx="minor">
+              <a:schemeClr val="lt1"/>
+            </a:fontRef>
+          </p:style>
+          <p:txBody>
+            <a:bodyPr rtlCol="0" anchor="ctr"/>
+            <a:lstStyle/>
+            <a:p>
+              <a:pPr algn="ctr"/>
+              <a:endParaRPr lang="es-CO" dirty="0"/>
+            </a:p>
+          </p:txBody>
+        </p:sp>
+        <p:pic>
+          <p:nvPicPr>
+            <p:cNvPr id="54" name="Gráfico 53" descr="Advertencia con relleno sólido">
+              <a:extLst>
+                <a:ext uri="{FF2B5EF4-FFF2-40B4-BE49-F238E27FC236}">
+                  <a16:creationId xmlns:a16="http://schemas.microsoft.com/office/drawing/2014/main" id="{12973567-245A-8141-055E-A54527261695}"/>
+                </a:ext>
+              </a:extLst>
+            </p:cNvPr>
+            <p:cNvPicPr>
+              <a:picLocks noChangeAspect="1"/>
+            </p:cNvPicPr>
+            <p:nvPr/>
+          </p:nvPicPr>
+          <p:blipFill>
+            <a:blip r:embed="rId30">
+              <a:extLst>
+                <a:ext uri="{96DAC541-7B7A-43D3-8B79-37D633B846F1}">
+                  <asvg:svgBlip xmlns:asvg="http://schemas.microsoft.com/office/drawing/2016/SVG/main" r:embed="rId31"/>
+                </a:ext>
+              </a:extLst>
+            </a:blip>
+            <a:stretch>
+              <a:fillRect/>
+            </a:stretch>
+          </p:blipFill>
+          <p:spPr>
+            <a:xfrm>
+              <a:off x="8029142" y="4802425"/>
+              <a:ext cx="1176749" cy="1176749"/>
+            </a:xfrm>
+            <a:prstGeom prst="rect">
+              <a:avLst/>
+            </a:prstGeom>
+          </p:spPr>
+        </p:pic>
+        <p:sp>
+          <p:nvSpPr>
+            <p:cNvPr id="55" name="CuadroTexto 54">
+              <a:extLst>
+                <a:ext uri="{FF2B5EF4-FFF2-40B4-BE49-F238E27FC236}">
+                  <a16:creationId xmlns:a16="http://schemas.microsoft.com/office/drawing/2014/main" id="{09786815-E3B4-96E4-E34F-050F60C35878}"/>
+                </a:ext>
+              </a:extLst>
+            </p:cNvPr>
+            <p:cNvSpPr txBox="1"/>
+            <p:nvPr/>
+          </p:nvSpPr>
+          <p:spPr>
+            <a:xfrm>
+              <a:off x="7567627" y="5934670"/>
+              <a:ext cx="2150935" cy="923330"/>
+            </a:xfrm>
+            <a:prstGeom prst="rect">
+              <a:avLst/>
+            </a:prstGeom>
+            <a:noFill/>
+          </p:spPr>
+          <p:txBody>
+            <a:bodyPr wrap="square" rtlCol="0">
+              <a:spAutoFit/>
+            </a:bodyPr>
+            <a:lstStyle/>
+            <a:p>
+              <a:pPr algn="ctr"/>
+              <a:r>
+                <a:rPr lang="es-CO" b="1" dirty="0">
+                  <a:solidFill>
+                    <a:schemeClr val="bg1"/>
+                  </a:solidFill>
+                  <a:latin typeface="Verdana" panose="020B0604030504040204" pitchFamily="34" charset="0"/>
+                  <a:ea typeface="Verdana" panose="020B0604030504040204" pitchFamily="34" charset="0"/>
+                </a:rPr>
+                <a:t>Gestión de Riesgos en las IE</a:t>
               </a:r>
             </a:p>
           </p:txBody>

--- a/IMAGENES/ICONOS PLANEAMIENTO.pptx
+++ b/IMAGENES/ICONOS PLANEAMIENTO.pptx
@@ -264,7 +264,7 @@
           <a:p>
             <a:fld id="{E55CBF32-4DDC-4E96-8A53-192A9CFFB12A}" type="datetimeFigureOut">
               <a:rPr lang="es-CO" smtClean="0"/>
-              <a:t>20/01/2026</a:t>
+              <a:t>6/02/2026</a:t>
             </a:fld>
             <a:endParaRPr lang="es-CO"/>
           </a:p>
@@ -464,7 +464,7 @@
           <a:p>
             <a:fld id="{E55CBF32-4DDC-4E96-8A53-192A9CFFB12A}" type="datetimeFigureOut">
               <a:rPr lang="es-CO" smtClean="0"/>
-              <a:t>20/01/2026</a:t>
+              <a:t>6/02/2026</a:t>
             </a:fld>
             <a:endParaRPr lang="es-CO"/>
           </a:p>
@@ -674,7 +674,7 @@
           <a:p>
             <a:fld id="{E55CBF32-4DDC-4E96-8A53-192A9CFFB12A}" type="datetimeFigureOut">
               <a:rPr lang="es-CO" smtClean="0"/>
-              <a:t>20/01/2026</a:t>
+              <a:t>6/02/2026</a:t>
             </a:fld>
             <a:endParaRPr lang="es-CO"/>
           </a:p>
@@ -874,7 +874,7 @@
           <a:p>
             <a:fld id="{E55CBF32-4DDC-4E96-8A53-192A9CFFB12A}" type="datetimeFigureOut">
               <a:rPr lang="es-CO" smtClean="0"/>
-              <a:t>20/01/2026</a:t>
+              <a:t>6/02/2026</a:t>
             </a:fld>
             <a:endParaRPr lang="es-CO"/>
           </a:p>
@@ -1150,7 +1150,7 @@
           <a:p>
             <a:fld id="{E55CBF32-4DDC-4E96-8A53-192A9CFFB12A}" type="datetimeFigureOut">
               <a:rPr lang="es-CO" smtClean="0"/>
-              <a:t>20/01/2026</a:t>
+              <a:t>6/02/2026</a:t>
             </a:fld>
             <a:endParaRPr lang="es-CO"/>
           </a:p>
@@ -1418,7 +1418,7 @@
           <a:p>
             <a:fld id="{E55CBF32-4DDC-4E96-8A53-192A9CFFB12A}" type="datetimeFigureOut">
               <a:rPr lang="es-CO" smtClean="0"/>
-              <a:t>20/01/2026</a:t>
+              <a:t>6/02/2026</a:t>
             </a:fld>
             <a:endParaRPr lang="es-CO"/>
           </a:p>
@@ -1833,7 +1833,7 @@
           <a:p>
             <a:fld id="{E55CBF32-4DDC-4E96-8A53-192A9CFFB12A}" type="datetimeFigureOut">
               <a:rPr lang="es-CO" smtClean="0"/>
-              <a:t>20/01/2026</a:t>
+              <a:t>6/02/2026</a:t>
             </a:fld>
             <a:endParaRPr lang="es-CO"/>
           </a:p>
@@ -1975,7 +1975,7 @@
           <a:p>
             <a:fld id="{E55CBF32-4DDC-4E96-8A53-192A9CFFB12A}" type="datetimeFigureOut">
               <a:rPr lang="es-CO" smtClean="0"/>
-              <a:t>20/01/2026</a:t>
+              <a:t>6/02/2026</a:t>
             </a:fld>
             <a:endParaRPr lang="es-CO"/>
           </a:p>
@@ -2088,7 +2088,7 @@
           <a:p>
             <a:fld id="{E55CBF32-4DDC-4E96-8A53-192A9CFFB12A}" type="datetimeFigureOut">
               <a:rPr lang="es-CO" smtClean="0"/>
-              <a:t>20/01/2026</a:t>
+              <a:t>6/02/2026</a:t>
             </a:fld>
             <a:endParaRPr lang="es-CO"/>
           </a:p>
@@ -2401,7 +2401,7 @@
           <a:p>
             <a:fld id="{E55CBF32-4DDC-4E96-8A53-192A9CFFB12A}" type="datetimeFigureOut">
               <a:rPr lang="es-CO" smtClean="0"/>
-              <a:t>20/01/2026</a:t>
+              <a:t>6/02/2026</a:t>
             </a:fld>
             <a:endParaRPr lang="es-CO"/>
           </a:p>
@@ -2690,7 +2690,7 @@
           <a:p>
             <a:fld id="{E55CBF32-4DDC-4E96-8A53-192A9CFFB12A}" type="datetimeFigureOut">
               <a:rPr lang="es-CO" smtClean="0"/>
-              <a:t>20/01/2026</a:t>
+              <a:t>6/02/2026</a:t>
             </a:fld>
             <a:endParaRPr lang="es-CO"/>
           </a:p>
@@ -2933,7 +2933,7 @@
           <a:p>
             <a:fld id="{E55CBF32-4DDC-4E96-8A53-192A9CFFB12A}" type="datetimeFigureOut">
               <a:rPr lang="es-CO" smtClean="0"/>
-              <a:t>20/01/2026</a:t>
+              <a:t>6/02/2026</a:t>
             </a:fld>
             <a:endParaRPr lang="es-CO"/>
           </a:p>
@@ -5914,7 +5914,7 @@
         </p:nvGrpSpPr>
         <p:grpSpPr>
           <a:xfrm>
-            <a:off x="9910732" y="2409663"/>
+            <a:off x="9919338" y="2451639"/>
             <a:ext cx="2470167" cy="2289012"/>
             <a:chOff x="5259044" y="4900863"/>
             <a:chExt cx="2470167" cy="2289012"/>
@@ -6499,6 +6499,157 @@
                   <a:ea typeface="Verdana" panose="020B0604030504040204" pitchFamily="34" charset="0"/>
                 </a:rPr>
                 <a:t>Gestión de Riesgos en las IE</a:t>
+              </a:r>
+            </a:p>
+          </p:txBody>
+        </p:sp>
+      </p:grpSp>
+      <p:grpSp>
+        <p:nvGrpSpPr>
+          <p:cNvPr id="60" name="Grupo 59">
+            <a:extLst>
+              <a:ext uri="{FF2B5EF4-FFF2-40B4-BE49-F238E27FC236}">
+                <a16:creationId xmlns:a16="http://schemas.microsoft.com/office/drawing/2014/main" id="{E2D32183-5DD0-81B5-725E-5290F30A3F33}"/>
+              </a:ext>
+            </a:extLst>
+          </p:cNvPr>
+          <p:cNvGrpSpPr/>
+          <p:nvPr/>
+        </p:nvGrpSpPr>
+        <p:grpSpPr>
+          <a:xfrm>
+            <a:off x="10046084" y="4880539"/>
+            <a:ext cx="2470167" cy="2289012"/>
+            <a:chOff x="10046084" y="4880539"/>
+            <a:chExt cx="2470167" cy="2289012"/>
+          </a:xfrm>
+        </p:grpSpPr>
+        <p:sp>
+          <p:nvSpPr>
+            <p:cNvPr id="51" name="Diagrama de flujo: conector 50">
+              <a:extLst>
+                <a:ext uri="{FF2B5EF4-FFF2-40B4-BE49-F238E27FC236}">
+                  <a16:creationId xmlns:a16="http://schemas.microsoft.com/office/drawing/2014/main" id="{57B0FABF-6358-E805-5C30-E4FF73474FC6}"/>
+                </a:ext>
+              </a:extLst>
+            </p:cNvPr>
+            <p:cNvSpPr/>
+            <p:nvPr/>
+          </p:nvSpPr>
+          <p:spPr>
+            <a:xfrm>
+              <a:off x="10046084" y="4880539"/>
+              <a:ext cx="2470167" cy="2289012"/>
+            </a:xfrm>
+            <a:prstGeom prst="flowChartConnector">
+              <a:avLst/>
+            </a:prstGeom>
+            <a:solidFill>
+              <a:srgbClr val="052543"/>
+            </a:solidFill>
+            <a:ln>
+              <a:noFill/>
+            </a:ln>
+          </p:spPr>
+          <p:style>
+            <a:lnRef idx="2">
+              <a:schemeClr val="accent1">
+                <a:shade val="15000"/>
+              </a:schemeClr>
+            </a:lnRef>
+            <a:fillRef idx="1">
+              <a:schemeClr val="accent1"/>
+            </a:fillRef>
+            <a:effectRef idx="0">
+              <a:schemeClr val="accent1"/>
+            </a:effectRef>
+            <a:fontRef idx="minor">
+              <a:schemeClr val="lt1"/>
+            </a:fontRef>
+          </p:style>
+          <p:txBody>
+            <a:bodyPr rtlCol="0" anchor="ctr"/>
+            <a:lstStyle/>
+            <a:p>
+              <a:pPr algn="ctr"/>
+              <a:endParaRPr lang="es-CO" dirty="0"/>
+            </a:p>
+          </p:txBody>
+        </p:sp>
+        <p:pic>
+          <p:nvPicPr>
+            <p:cNvPr id="58" name="Gráfico 57" descr="Reunión con relleno sólido">
+              <a:extLst>
+                <a:ext uri="{FF2B5EF4-FFF2-40B4-BE49-F238E27FC236}">
+                  <a16:creationId xmlns:a16="http://schemas.microsoft.com/office/drawing/2014/main" id="{5FC128C7-170C-EC53-2FAE-6854F6635605}"/>
+                </a:ext>
+              </a:extLst>
+            </p:cNvPr>
+            <p:cNvPicPr>
+              <a:picLocks noChangeAspect="1"/>
+            </p:cNvPicPr>
+            <p:nvPr/>
+          </p:nvPicPr>
+          <p:blipFill>
+            <a:blip r:embed="rId32">
+              <a:extLst>
+                <a:ext uri="{96DAC541-7B7A-43D3-8B79-37D633B846F1}">
+                  <asvg:svgBlip xmlns:asvg="http://schemas.microsoft.com/office/drawing/2016/SVG/main" r:embed="rId33"/>
+                </a:ext>
+              </a:extLst>
+            </a:blip>
+            <a:stretch>
+              <a:fillRect/>
+            </a:stretch>
+          </p:blipFill>
+          <p:spPr>
+            <a:xfrm>
+              <a:off x="10622541" y="5124474"/>
+              <a:ext cx="1333425" cy="914400"/>
+            </a:xfrm>
+            <a:prstGeom prst="rect">
+              <a:avLst/>
+            </a:prstGeom>
+          </p:spPr>
+        </p:pic>
+        <p:sp>
+          <p:nvSpPr>
+            <p:cNvPr id="59" name="CuadroTexto 58">
+              <a:extLst>
+                <a:ext uri="{FF2B5EF4-FFF2-40B4-BE49-F238E27FC236}">
+                  <a16:creationId xmlns:a16="http://schemas.microsoft.com/office/drawing/2014/main" id="{85833641-5217-E954-59F8-A02B3BE63137}"/>
+                </a:ext>
+              </a:extLst>
+            </p:cNvPr>
+            <p:cNvSpPr txBox="1"/>
+            <p:nvPr/>
+          </p:nvSpPr>
+          <p:spPr>
+            <a:xfrm>
+              <a:off x="10427834" y="5935772"/>
+              <a:ext cx="1764166" cy="923330"/>
+            </a:xfrm>
+            <a:prstGeom prst="rect">
+              <a:avLst/>
+            </a:prstGeom>
+            <a:noFill/>
+          </p:spPr>
+          <p:txBody>
+            <a:bodyPr wrap="square" rtlCol="0">
+              <a:spAutoFit/>
+            </a:bodyPr>
+            <a:lstStyle/>
+            <a:p>
+              <a:pPr algn="ctr"/>
+              <a:r>
+                <a:rPr lang="es-CO" b="1" dirty="0">
+                  <a:solidFill>
+                    <a:schemeClr val="bg1"/>
+                  </a:solidFill>
+                  <a:latin typeface="Verdana" panose="020B0604030504040204" pitchFamily="34" charset="0"/>
+                  <a:ea typeface="Verdana" panose="020B0604030504040204" pitchFamily="34" charset="0"/>
+                </a:rPr>
+                <a:t>Plan de Desarrollo 2024 - 2027</a:t>
               </a:r>
             </a:p>
           </p:txBody>

--- a/IMAGENES/ICONOS PLANEAMIENTO.pptx
+++ b/IMAGENES/ICONOS PLANEAMIENTO.pptx
@@ -9,6 +9,7 @@
     <p:sldId id="257" r:id="rId3"/>
     <p:sldId id="258" r:id="rId4"/>
     <p:sldId id="259" r:id="rId5"/>
+    <p:sldId id="260" r:id="rId6"/>
   </p:sldIdLst>
   <p:sldSz cx="12192000" cy="6858000"/>
   <p:notesSz cx="6858000" cy="9144000"/>
@@ -264,7 +265,7 @@
           <a:p>
             <a:fld id="{E55CBF32-4DDC-4E96-8A53-192A9CFFB12A}" type="datetimeFigureOut">
               <a:rPr lang="es-CO" smtClean="0"/>
-              <a:t>6/02/2026</a:t>
+              <a:t>20/02/2026</a:t>
             </a:fld>
             <a:endParaRPr lang="es-CO"/>
           </a:p>
@@ -464,7 +465,7 @@
           <a:p>
             <a:fld id="{E55CBF32-4DDC-4E96-8A53-192A9CFFB12A}" type="datetimeFigureOut">
               <a:rPr lang="es-CO" smtClean="0"/>
-              <a:t>6/02/2026</a:t>
+              <a:t>20/02/2026</a:t>
             </a:fld>
             <a:endParaRPr lang="es-CO"/>
           </a:p>
@@ -674,7 +675,7 @@
           <a:p>
             <a:fld id="{E55CBF32-4DDC-4E96-8A53-192A9CFFB12A}" type="datetimeFigureOut">
               <a:rPr lang="es-CO" smtClean="0"/>
-              <a:t>6/02/2026</a:t>
+              <a:t>20/02/2026</a:t>
             </a:fld>
             <a:endParaRPr lang="es-CO"/>
           </a:p>
@@ -874,7 +875,7 @@
           <a:p>
             <a:fld id="{E55CBF32-4DDC-4E96-8A53-192A9CFFB12A}" type="datetimeFigureOut">
               <a:rPr lang="es-CO" smtClean="0"/>
-              <a:t>6/02/2026</a:t>
+              <a:t>20/02/2026</a:t>
             </a:fld>
             <a:endParaRPr lang="es-CO"/>
           </a:p>
@@ -1150,7 +1151,7 @@
           <a:p>
             <a:fld id="{E55CBF32-4DDC-4E96-8A53-192A9CFFB12A}" type="datetimeFigureOut">
               <a:rPr lang="es-CO" smtClean="0"/>
-              <a:t>6/02/2026</a:t>
+              <a:t>20/02/2026</a:t>
             </a:fld>
             <a:endParaRPr lang="es-CO"/>
           </a:p>
@@ -1418,7 +1419,7 @@
           <a:p>
             <a:fld id="{E55CBF32-4DDC-4E96-8A53-192A9CFFB12A}" type="datetimeFigureOut">
               <a:rPr lang="es-CO" smtClean="0"/>
-              <a:t>6/02/2026</a:t>
+              <a:t>20/02/2026</a:t>
             </a:fld>
             <a:endParaRPr lang="es-CO"/>
           </a:p>
@@ -1833,7 +1834,7 @@
           <a:p>
             <a:fld id="{E55CBF32-4DDC-4E96-8A53-192A9CFFB12A}" type="datetimeFigureOut">
               <a:rPr lang="es-CO" smtClean="0"/>
-              <a:t>6/02/2026</a:t>
+              <a:t>20/02/2026</a:t>
             </a:fld>
             <a:endParaRPr lang="es-CO"/>
           </a:p>
@@ -1975,7 +1976,7 @@
           <a:p>
             <a:fld id="{E55CBF32-4DDC-4E96-8A53-192A9CFFB12A}" type="datetimeFigureOut">
               <a:rPr lang="es-CO" smtClean="0"/>
-              <a:t>6/02/2026</a:t>
+              <a:t>20/02/2026</a:t>
             </a:fld>
             <a:endParaRPr lang="es-CO"/>
           </a:p>
@@ -2088,7 +2089,7 @@
           <a:p>
             <a:fld id="{E55CBF32-4DDC-4E96-8A53-192A9CFFB12A}" type="datetimeFigureOut">
               <a:rPr lang="es-CO" smtClean="0"/>
-              <a:t>6/02/2026</a:t>
+              <a:t>20/02/2026</a:t>
             </a:fld>
             <a:endParaRPr lang="es-CO"/>
           </a:p>
@@ -2401,7 +2402,7 @@
           <a:p>
             <a:fld id="{E55CBF32-4DDC-4E96-8A53-192A9CFFB12A}" type="datetimeFigureOut">
               <a:rPr lang="es-CO" smtClean="0"/>
-              <a:t>6/02/2026</a:t>
+              <a:t>20/02/2026</a:t>
             </a:fld>
             <a:endParaRPr lang="es-CO"/>
           </a:p>
@@ -2690,7 +2691,7 @@
           <a:p>
             <a:fld id="{E55CBF32-4DDC-4E96-8A53-192A9CFFB12A}" type="datetimeFigureOut">
               <a:rPr lang="es-CO" smtClean="0"/>
-              <a:t>6/02/2026</a:t>
+              <a:t>20/02/2026</a:t>
             </a:fld>
             <a:endParaRPr lang="es-CO"/>
           </a:p>
@@ -2933,7 +2934,7 @@
           <a:p>
             <a:fld id="{E55CBF32-4DDC-4E96-8A53-192A9CFFB12A}" type="datetimeFigureOut">
               <a:rPr lang="es-CO" smtClean="0"/>
-              <a:t>6/02/2026</a:t>
+              <a:t>20/02/2026</a:t>
             </a:fld>
             <a:endParaRPr lang="es-CO"/>
           </a:p>
@@ -9007,6 +9008,187 @@
 </p:sld>
 </file>
 
+<file path=ppt/slides/slide5.xml><?xml version="1.0" encoding="utf-8"?>
+<p:sld xmlns:a="http://schemas.openxmlformats.org/drawingml/2006/main" xmlns:r="http://schemas.openxmlformats.org/officeDocument/2006/relationships" xmlns:p="http://schemas.openxmlformats.org/presentationml/2006/main">
+  <p:cSld>
+    <p:spTree>
+      <p:nvGrpSpPr>
+        <p:cNvPr id="1" name=""/>
+        <p:cNvGrpSpPr/>
+        <p:nvPr/>
+      </p:nvGrpSpPr>
+      <p:grpSpPr>
+        <a:xfrm>
+          <a:off x="0" y="0"/>
+          <a:ext cx="0" cy="0"/>
+          <a:chOff x="0" y="0"/>
+          <a:chExt cx="0" cy="0"/>
+        </a:xfrm>
+      </p:grpSpPr>
+      <p:grpSp>
+        <p:nvGrpSpPr>
+          <p:cNvPr id="7" name="Grupo 6">
+            <a:extLst>
+              <a:ext uri="{FF2B5EF4-FFF2-40B4-BE49-F238E27FC236}">
+                <a16:creationId xmlns:a16="http://schemas.microsoft.com/office/drawing/2014/main" id="{28CD8B3A-8BFF-0296-C190-11B238796908}"/>
+              </a:ext>
+            </a:extLst>
+          </p:cNvPr>
+          <p:cNvGrpSpPr/>
+          <p:nvPr/>
+        </p:nvGrpSpPr>
+        <p:grpSpPr>
+          <a:xfrm>
+            <a:off x="1993690" y="914123"/>
+            <a:ext cx="2470167" cy="2289012"/>
+            <a:chOff x="1993690" y="914123"/>
+            <a:chExt cx="2470167" cy="2289012"/>
+          </a:xfrm>
+        </p:grpSpPr>
+        <p:sp>
+          <p:nvSpPr>
+            <p:cNvPr id="2" name="Diagrama de flujo: conector 1">
+              <a:extLst>
+                <a:ext uri="{FF2B5EF4-FFF2-40B4-BE49-F238E27FC236}">
+                  <a16:creationId xmlns:a16="http://schemas.microsoft.com/office/drawing/2014/main" id="{C5230147-C279-9044-15E7-9FDF02394F42}"/>
+                </a:ext>
+              </a:extLst>
+            </p:cNvPr>
+            <p:cNvSpPr/>
+            <p:nvPr/>
+          </p:nvSpPr>
+          <p:spPr>
+            <a:xfrm>
+              <a:off x="1993690" y="914123"/>
+              <a:ext cx="2470167" cy="2289012"/>
+            </a:xfrm>
+            <a:prstGeom prst="flowChartConnector">
+              <a:avLst/>
+            </a:prstGeom>
+            <a:solidFill>
+              <a:srgbClr val="052543"/>
+            </a:solidFill>
+            <a:ln>
+              <a:noFill/>
+            </a:ln>
+          </p:spPr>
+          <p:style>
+            <a:lnRef idx="2">
+              <a:schemeClr val="accent1">
+                <a:shade val="15000"/>
+              </a:schemeClr>
+            </a:lnRef>
+            <a:fillRef idx="1">
+              <a:schemeClr val="accent1"/>
+            </a:fillRef>
+            <a:effectRef idx="0">
+              <a:schemeClr val="accent1"/>
+            </a:effectRef>
+            <a:fontRef idx="minor">
+              <a:schemeClr val="lt1"/>
+            </a:fontRef>
+          </p:style>
+          <p:txBody>
+            <a:bodyPr rtlCol="0" anchor="ctr"/>
+            <a:lstStyle/>
+            <a:p>
+              <a:pPr algn="ctr"/>
+              <a:endParaRPr lang="es-CO" dirty="0"/>
+            </a:p>
+          </p:txBody>
+        </p:sp>
+        <p:pic>
+          <p:nvPicPr>
+            <p:cNvPr id="4" name="Gráfico 3" descr="Escena de lluvia con relleno sólido">
+              <a:extLst>
+                <a:ext uri="{FF2B5EF4-FFF2-40B4-BE49-F238E27FC236}">
+                  <a16:creationId xmlns:a16="http://schemas.microsoft.com/office/drawing/2014/main" id="{6A69B70E-38D3-D32A-0842-FA3D8D0A5330}"/>
+                </a:ext>
+              </a:extLst>
+            </p:cNvPr>
+            <p:cNvPicPr>
+              <a:picLocks noChangeAspect="1"/>
+            </p:cNvPicPr>
+            <p:nvPr/>
+          </p:nvPicPr>
+          <p:blipFill>
+            <a:blip r:embed="rId2">
+              <a:extLst>
+                <a:ext uri="{96DAC541-7B7A-43D3-8B79-37D633B846F1}">
+                  <asvg:svgBlip xmlns:asvg="http://schemas.microsoft.com/office/drawing/2016/SVG/main" r:embed="rId3"/>
+                </a:ext>
+              </a:extLst>
+            </a:blip>
+            <a:stretch>
+              <a:fillRect/>
+            </a:stretch>
+          </p:blipFill>
+          <p:spPr>
+            <a:xfrm>
+              <a:off x="2592092" y="914123"/>
+              <a:ext cx="1273361" cy="1155848"/>
+            </a:xfrm>
+            <a:prstGeom prst="rect">
+              <a:avLst/>
+            </a:prstGeom>
+          </p:spPr>
+        </p:pic>
+        <p:sp>
+          <p:nvSpPr>
+            <p:cNvPr id="5" name="CuadroTexto 4">
+              <a:extLst>
+                <a:ext uri="{FF2B5EF4-FFF2-40B4-BE49-F238E27FC236}">
+                  <a16:creationId xmlns:a16="http://schemas.microsoft.com/office/drawing/2014/main" id="{59A4DC44-A657-BB25-78A3-28AB5846E7AE}"/>
+                </a:ext>
+              </a:extLst>
+            </p:cNvPr>
+            <p:cNvSpPr txBox="1"/>
+            <p:nvPr/>
+          </p:nvSpPr>
+          <p:spPr>
+            <a:xfrm>
+              <a:off x="1993690" y="1969224"/>
+              <a:ext cx="2470167" cy="1200329"/>
+            </a:xfrm>
+            <a:prstGeom prst="rect">
+              <a:avLst/>
+            </a:prstGeom>
+            <a:noFill/>
+          </p:spPr>
+          <p:txBody>
+            <a:bodyPr wrap="square" rtlCol="0">
+              <a:spAutoFit/>
+            </a:bodyPr>
+            <a:lstStyle/>
+            <a:p>
+              <a:pPr algn="ctr"/>
+              <a:r>
+                <a:rPr lang="es-CO" b="1" dirty="0">
+                  <a:solidFill>
+                    <a:schemeClr val="bg1"/>
+                  </a:solidFill>
+                  <a:latin typeface="Verdana" panose="020B0604030504040204" pitchFamily="34" charset="0"/>
+                  <a:ea typeface="Verdana" panose="020B0604030504040204" pitchFamily="34" charset="0"/>
+                </a:rPr>
+                <a:t>Encuesta Diagnostica Afectación por Lluvias</a:t>
+              </a:r>
+            </a:p>
+          </p:txBody>
+        </p:sp>
+      </p:grpSp>
+    </p:spTree>
+    <p:extLst>
+      <p:ext uri="{BB962C8B-B14F-4D97-AF65-F5344CB8AC3E}">
+        <p14:creationId xmlns:p14="http://schemas.microsoft.com/office/powerpoint/2010/main" val="3982608360"/>
+      </p:ext>
+    </p:extLst>
+  </p:cSld>
+  <p:clrMapOvr>
+    <a:masterClrMapping/>
+  </p:clrMapOvr>
+</p:sld>
+</file>
+
 <file path=ppt/theme/theme1.xml><?xml version="1.0" encoding="utf-8"?>
 <a:theme xmlns:a="http://schemas.openxmlformats.org/drawingml/2006/main" name="Tema de Office">
   <a:themeElements>
